--- a/G2M Case Study V1.0.pptx
+++ b/G2M Case Study V1.0.pptx
@@ -1,32 +1,32 @@
 
 <file path=ppt/presentation.xml><?xml version="1.0" encoding="utf-8"?>
-<p:presentation xmlns:a="http://schemas.openxmlformats.org/drawingml/2006/main" xmlns:r="http://schemas.openxmlformats.org/officeDocument/2006/relationships" xmlns:p="http://schemas.openxmlformats.org/presentationml/2006/main" saveSubsetFonts="1">
+<p:presentation xmlns:a="http://schemas.openxmlformats.org/drawingml/2006/main" xmlns:r="http://schemas.openxmlformats.org/officeDocument/2006/relationships" xmlns:p="http://schemas.openxmlformats.org/presentationml/2006/main">
   <p:sldMasterIdLst>
-    <p:sldMasterId id="2147483684" r:id="rId1"/>
+    <p:sldMasterId id="2147483648" r:id="rId1"/>
   </p:sldMasterIdLst>
   <p:sldIdLst>
-    <p:sldId id="256" r:id="rId2"/>
-    <p:sldId id="267" r:id="rId3"/>
-    <p:sldId id="257" r:id="rId4"/>
-    <p:sldId id="269" r:id="rId5"/>
-    <p:sldId id="270" r:id="rId6"/>
-    <p:sldId id="275" r:id="rId7"/>
-    <p:sldId id="276" r:id="rId8"/>
-    <p:sldId id="271" r:id="rId9"/>
-    <p:sldId id="272" r:id="rId10"/>
-    <p:sldId id="273" r:id="rId11"/>
-    <p:sldId id="274" r:id="rId12"/>
-    <p:sldId id="277" r:id="rId13"/>
-    <p:sldId id="280" r:id="rId14"/>
-    <p:sldId id="279" r:id="rId15"/>
-    <p:sldId id="278" r:id="rId16"/>
-    <p:sldId id="281" r:id="rId17"/>
-    <p:sldId id="285" r:id="rId18"/>
-    <p:sldId id="284" r:id="rId19"/>
-    <p:sldId id="286" r:id="rId20"/>
-    <p:sldId id="282" r:id="rId21"/>
-    <p:sldId id="287" r:id="rId22"/>
-    <p:sldId id="288" r:id="rId23"/>
+    <p:sldId id="256" r:id="rId3"/>
+    <p:sldId id="267" r:id="rId4"/>
+    <p:sldId id="257" r:id="rId5"/>
+    <p:sldId id="269" r:id="rId6"/>
+    <p:sldId id="270" r:id="rId7"/>
+    <p:sldId id="275" r:id="rId8"/>
+    <p:sldId id="276" r:id="rId9"/>
+    <p:sldId id="271" r:id="rId10"/>
+    <p:sldId id="272" r:id="rId11"/>
+    <p:sldId id="273" r:id="rId12"/>
+    <p:sldId id="274" r:id="rId13"/>
+    <p:sldId id="277" r:id="rId14"/>
+    <p:sldId id="280" r:id="rId15"/>
+    <p:sldId id="279" r:id="rId16"/>
+    <p:sldId id="278" r:id="rId17"/>
+    <p:sldId id="281" r:id="rId18"/>
+    <p:sldId id="285" r:id="rId19"/>
+    <p:sldId id="284" r:id="rId20"/>
+    <p:sldId id="286" r:id="rId21"/>
+    <p:sldId id="282" r:id="rId22"/>
+    <p:sldId id="287" r:id="rId23"/>
+    <p:sldId id="288" r:id="rId24"/>
   </p:sldIdLst>
   <p:sldSz cx="12192000" cy="6858000"/>
   <p:notesSz cx="6858000" cy="9144000"/>
@@ -125,11 +125,6 @@
       </a:defRPr>
     </a:lvl9pPr>
   </p:defaultTextStyle>
-  <p:extLst>
-    <p:ext uri="{EFAFB233-063F-42B5-8137-9DF3F51BA10A}">
-      <p15:sldGuideLst xmlns:p15="http://schemas.microsoft.com/office/powerpoint/2012/main"/>
-    </p:ext>
-  </p:extLst>
 </p:presentation>
 </file>
 
@@ -264,7 +259,6 @@
           <a:p>
             <a:fld id="{C764DE79-268F-4C1A-8933-263129D2AF90}" type="datetimeFigureOut">
               <a:rPr lang="en-US" dirty="0"/>
-              <a:t>6/20/2022</a:t>
             </a:fld>
             <a:endParaRPr lang="en-US"/>
           </a:p>
@@ -306,18 +300,12 @@
           <a:p>
             <a:fld id="{48F63A3B-78C7-47BE-AE5E-E10140E04643}" type="slidenum">
               <a:rPr lang="en-US" dirty="0"/>
-              <a:t>‹#›</a:t>
             </a:fld>
             <a:endParaRPr lang="en-US"/>
           </a:p>
         </p:txBody>
       </p:sp>
     </p:spTree>
-    <p:extLst>
-      <p:ext uri="{BB962C8B-B14F-4D97-AF65-F5344CB8AC3E}">
-        <p14:creationId xmlns:p14="http://schemas.microsoft.com/office/powerpoint/2010/main" val="1249232571"/>
-      </p:ext>
-    </p:extLst>
   </p:cSld>
   <p:clrMapOvr>
     <a:masterClrMapping/>
@@ -385,6 +373,7 @@
               <a:rPr lang="en-US" altLang="zh-CN"/>
               <a:t>Click to edit Master text styles</a:t>
             </a:r>
+            <a:endParaRPr lang="en-US" altLang="zh-CN"/>
           </a:p>
           <a:p>
             <a:pPr lvl="1"/>
@@ -392,6 +381,7 @@
               <a:rPr lang="en-US" altLang="zh-CN"/>
               <a:t>Second level</a:t>
             </a:r>
+            <a:endParaRPr lang="en-US" altLang="zh-CN"/>
           </a:p>
           <a:p>
             <a:pPr lvl="2"/>
@@ -399,6 +389,7 @@
               <a:rPr lang="en-US" altLang="zh-CN"/>
               <a:t>Third level</a:t>
             </a:r>
+            <a:endParaRPr lang="en-US" altLang="zh-CN"/>
           </a:p>
           <a:p>
             <a:pPr lvl="3"/>
@@ -406,6 +397,7 @@
               <a:rPr lang="en-US" altLang="zh-CN"/>
               <a:t>Fourth level</a:t>
             </a:r>
+            <a:endParaRPr lang="en-US" altLang="zh-CN"/>
           </a:p>
           <a:p>
             <a:pPr lvl="4"/>
@@ -434,7 +426,6 @@
           <a:p>
             <a:fld id="{C764DE79-268F-4C1A-8933-263129D2AF90}" type="datetimeFigureOut">
               <a:rPr lang="en-US" dirty="0"/>
-              <a:t>6/20/2022</a:t>
             </a:fld>
             <a:endParaRPr lang="en-US"/>
           </a:p>
@@ -476,18 +467,12 @@
           <a:p>
             <a:fld id="{48F63A3B-78C7-47BE-AE5E-E10140E04643}" type="slidenum">
               <a:rPr lang="en-US" dirty="0"/>
-              <a:t>‹#›</a:t>
             </a:fld>
             <a:endParaRPr lang="en-US"/>
           </a:p>
         </p:txBody>
       </p:sp>
     </p:spTree>
-    <p:extLst>
-      <p:ext uri="{BB962C8B-B14F-4D97-AF65-F5344CB8AC3E}">
-        <p14:creationId xmlns:p14="http://schemas.microsoft.com/office/powerpoint/2010/main" val="754809317"/>
-      </p:ext>
-    </p:extLst>
   </p:cSld>
   <p:clrMapOvr>
     <a:masterClrMapping/>
@@ -565,6 +550,7 @@
               <a:rPr lang="en-US" altLang="zh-CN"/>
               <a:t>Click to edit Master text styles</a:t>
             </a:r>
+            <a:endParaRPr lang="en-US" altLang="zh-CN"/>
           </a:p>
           <a:p>
             <a:pPr lvl="1"/>
@@ -572,6 +558,7 @@
               <a:rPr lang="en-US" altLang="zh-CN"/>
               <a:t>Second level</a:t>
             </a:r>
+            <a:endParaRPr lang="en-US" altLang="zh-CN"/>
           </a:p>
           <a:p>
             <a:pPr lvl="2"/>
@@ -579,6 +566,7 @@
               <a:rPr lang="en-US" altLang="zh-CN"/>
               <a:t>Third level</a:t>
             </a:r>
+            <a:endParaRPr lang="en-US" altLang="zh-CN"/>
           </a:p>
           <a:p>
             <a:pPr lvl="3"/>
@@ -586,6 +574,7 @@
               <a:rPr lang="en-US" altLang="zh-CN"/>
               <a:t>Fourth level</a:t>
             </a:r>
+            <a:endParaRPr lang="en-US" altLang="zh-CN"/>
           </a:p>
           <a:p>
             <a:pPr lvl="4"/>
@@ -614,7 +603,6 @@
           <a:p>
             <a:fld id="{C764DE79-268F-4C1A-8933-263129D2AF90}" type="datetimeFigureOut">
               <a:rPr lang="en-US" dirty="0"/>
-              <a:t>6/20/2022</a:t>
             </a:fld>
             <a:endParaRPr lang="en-US"/>
           </a:p>
@@ -656,18 +644,12 @@
           <a:p>
             <a:fld id="{48F63A3B-78C7-47BE-AE5E-E10140E04643}" type="slidenum">
               <a:rPr lang="en-US" dirty="0"/>
-              <a:t>‹#›</a:t>
             </a:fld>
             <a:endParaRPr lang="en-US"/>
           </a:p>
         </p:txBody>
       </p:sp>
     </p:spTree>
-    <p:extLst>
-      <p:ext uri="{BB962C8B-B14F-4D97-AF65-F5344CB8AC3E}">
-        <p14:creationId xmlns:p14="http://schemas.microsoft.com/office/powerpoint/2010/main" val="4178620672"/>
-      </p:ext>
-    </p:extLst>
   </p:cSld>
   <p:clrMapOvr>
     <a:masterClrMapping/>
@@ -735,6 +717,7 @@
               <a:rPr lang="en-US" altLang="zh-CN"/>
               <a:t>Click to edit Master text styles</a:t>
             </a:r>
+            <a:endParaRPr lang="en-US" altLang="zh-CN"/>
           </a:p>
           <a:p>
             <a:pPr lvl="1"/>
@@ -742,6 +725,7 @@
               <a:rPr lang="en-US" altLang="zh-CN"/>
               <a:t>Second level</a:t>
             </a:r>
+            <a:endParaRPr lang="en-US" altLang="zh-CN"/>
           </a:p>
           <a:p>
             <a:pPr lvl="2"/>
@@ -749,6 +733,7 @@
               <a:rPr lang="en-US" altLang="zh-CN"/>
               <a:t>Third level</a:t>
             </a:r>
+            <a:endParaRPr lang="en-US" altLang="zh-CN"/>
           </a:p>
           <a:p>
             <a:pPr lvl="3"/>
@@ -756,6 +741,7 @@
               <a:rPr lang="en-US" altLang="zh-CN"/>
               <a:t>Fourth level</a:t>
             </a:r>
+            <a:endParaRPr lang="en-US" altLang="zh-CN"/>
           </a:p>
           <a:p>
             <a:pPr lvl="4"/>
@@ -784,7 +770,6 @@
           <a:p>
             <a:fld id="{C764DE79-268F-4C1A-8933-263129D2AF90}" type="datetimeFigureOut">
               <a:rPr lang="en-US" dirty="0"/>
-              <a:t>6/20/2022</a:t>
             </a:fld>
             <a:endParaRPr lang="en-US"/>
           </a:p>
@@ -826,18 +811,12 @@
           <a:p>
             <a:fld id="{48F63A3B-78C7-47BE-AE5E-E10140E04643}" type="slidenum">
               <a:rPr lang="en-US" dirty="0"/>
-              <a:t>‹#›</a:t>
             </a:fld>
             <a:endParaRPr lang="en-US"/>
           </a:p>
         </p:txBody>
       </p:sp>
     </p:spTree>
-    <p:extLst>
-      <p:ext uri="{BB962C8B-B14F-4D97-AF65-F5344CB8AC3E}">
-        <p14:creationId xmlns:p14="http://schemas.microsoft.com/office/powerpoint/2010/main" val="204894193"/>
-      </p:ext>
-    </p:extLst>
   </p:cSld>
   <p:clrMapOvr>
     <a:masterClrMapping/>
@@ -1010,6 +989,7 @@
               <a:rPr lang="en-US" altLang="zh-CN"/>
               <a:t>Click to edit Master text styles</a:t>
             </a:r>
+            <a:endParaRPr lang="en-US" altLang="zh-CN"/>
           </a:p>
         </p:txBody>
       </p:sp>
@@ -1030,7 +1010,6 @@
           <a:p>
             <a:fld id="{C764DE79-268F-4C1A-8933-263129D2AF90}" type="datetimeFigureOut">
               <a:rPr lang="en-US" dirty="0"/>
-              <a:t>6/20/2022</a:t>
             </a:fld>
             <a:endParaRPr lang="en-US"/>
           </a:p>
@@ -1072,18 +1051,12 @@
           <a:p>
             <a:fld id="{48F63A3B-78C7-47BE-AE5E-E10140E04643}" type="slidenum">
               <a:rPr lang="en-US" dirty="0"/>
-              <a:t>‹#›</a:t>
             </a:fld>
             <a:endParaRPr lang="en-US"/>
           </a:p>
         </p:txBody>
       </p:sp>
     </p:spTree>
-    <p:extLst>
-      <p:ext uri="{BB962C8B-B14F-4D97-AF65-F5344CB8AC3E}">
-        <p14:creationId xmlns:p14="http://schemas.microsoft.com/office/powerpoint/2010/main" val="1887173672"/>
-      </p:ext>
-    </p:extLst>
   </p:cSld>
   <p:clrMapOvr>
     <a:masterClrMapping/>
@@ -1156,6 +1129,7 @@
               <a:rPr lang="en-US" altLang="zh-CN"/>
               <a:t>Click to edit Master text styles</a:t>
             </a:r>
+            <a:endParaRPr lang="en-US" altLang="zh-CN"/>
           </a:p>
           <a:p>
             <a:pPr lvl="1"/>
@@ -1163,6 +1137,7 @@
               <a:rPr lang="en-US" altLang="zh-CN"/>
               <a:t>Second level</a:t>
             </a:r>
+            <a:endParaRPr lang="en-US" altLang="zh-CN"/>
           </a:p>
           <a:p>
             <a:pPr lvl="2"/>
@@ -1170,6 +1145,7 @@
               <a:rPr lang="en-US" altLang="zh-CN"/>
               <a:t>Third level</a:t>
             </a:r>
+            <a:endParaRPr lang="en-US" altLang="zh-CN"/>
           </a:p>
           <a:p>
             <a:pPr lvl="3"/>
@@ -1177,6 +1153,7 @@
               <a:rPr lang="en-US" altLang="zh-CN"/>
               <a:t>Fourth level</a:t>
             </a:r>
+            <a:endParaRPr lang="en-US" altLang="zh-CN"/>
           </a:p>
           <a:p>
             <a:pPr lvl="4"/>
@@ -1213,6 +1190,7 @@
               <a:rPr lang="en-US" altLang="zh-CN"/>
               <a:t>Click to edit Master text styles</a:t>
             </a:r>
+            <a:endParaRPr lang="en-US" altLang="zh-CN"/>
           </a:p>
           <a:p>
             <a:pPr lvl="1"/>
@@ -1220,6 +1198,7 @@
               <a:rPr lang="en-US" altLang="zh-CN"/>
               <a:t>Second level</a:t>
             </a:r>
+            <a:endParaRPr lang="en-US" altLang="zh-CN"/>
           </a:p>
           <a:p>
             <a:pPr lvl="2"/>
@@ -1227,6 +1206,7 @@
               <a:rPr lang="en-US" altLang="zh-CN"/>
               <a:t>Third level</a:t>
             </a:r>
+            <a:endParaRPr lang="en-US" altLang="zh-CN"/>
           </a:p>
           <a:p>
             <a:pPr lvl="3"/>
@@ -1234,6 +1214,7 @@
               <a:rPr lang="en-US" altLang="zh-CN"/>
               <a:t>Fourth level</a:t>
             </a:r>
+            <a:endParaRPr lang="en-US" altLang="zh-CN"/>
           </a:p>
           <a:p>
             <a:pPr lvl="4"/>
@@ -1262,7 +1243,6 @@
           <a:p>
             <a:fld id="{C764DE79-268F-4C1A-8933-263129D2AF90}" type="datetimeFigureOut">
               <a:rPr lang="en-US" dirty="0"/>
-              <a:t>6/20/2022</a:t>
             </a:fld>
             <a:endParaRPr lang="en-US"/>
           </a:p>
@@ -1304,18 +1284,12 @@
           <a:p>
             <a:fld id="{48F63A3B-78C7-47BE-AE5E-E10140E04643}" type="slidenum">
               <a:rPr lang="en-US" dirty="0"/>
-              <a:t>‹#›</a:t>
             </a:fld>
             <a:endParaRPr lang="en-US"/>
           </a:p>
         </p:txBody>
       </p:sp>
     </p:spTree>
-    <p:extLst>
-      <p:ext uri="{BB962C8B-B14F-4D97-AF65-F5344CB8AC3E}">
-        <p14:creationId xmlns:p14="http://schemas.microsoft.com/office/powerpoint/2010/main" val="1312881238"/>
-      </p:ext>
-    </p:extLst>
   </p:cSld>
   <p:clrMapOvr>
     <a:masterClrMapping/>
@@ -1430,6 +1404,7 @@
               <a:rPr lang="en-US" altLang="zh-CN"/>
               <a:t>Click to edit Master text styles</a:t>
             </a:r>
+            <a:endParaRPr lang="en-US" altLang="zh-CN"/>
           </a:p>
         </p:txBody>
       </p:sp>
@@ -1458,6 +1433,7 @@
               <a:rPr lang="en-US" altLang="zh-CN"/>
               <a:t>Click to edit Master text styles</a:t>
             </a:r>
+            <a:endParaRPr lang="en-US" altLang="zh-CN"/>
           </a:p>
           <a:p>
             <a:pPr lvl="1"/>
@@ -1465,6 +1441,7 @@
               <a:rPr lang="en-US" altLang="zh-CN"/>
               <a:t>Second level</a:t>
             </a:r>
+            <a:endParaRPr lang="en-US" altLang="zh-CN"/>
           </a:p>
           <a:p>
             <a:pPr lvl="2"/>
@@ -1472,6 +1449,7 @@
               <a:rPr lang="en-US" altLang="zh-CN"/>
               <a:t>Third level</a:t>
             </a:r>
+            <a:endParaRPr lang="en-US" altLang="zh-CN"/>
           </a:p>
           <a:p>
             <a:pPr lvl="3"/>
@@ -1479,6 +1457,7 @@
               <a:rPr lang="en-US" altLang="zh-CN"/>
               <a:t>Fourth level</a:t>
             </a:r>
+            <a:endParaRPr lang="en-US" altLang="zh-CN"/>
           </a:p>
           <a:p>
             <a:pPr lvl="4"/>
@@ -1552,6 +1531,7 @@
               <a:rPr lang="en-US" altLang="zh-CN"/>
               <a:t>Click to edit Master text styles</a:t>
             </a:r>
+            <a:endParaRPr lang="en-US" altLang="zh-CN"/>
           </a:p>
         </p:txBody>
       </p:sp>
@@ -1580,6 +1560,7 @@
               <a:rPr lang="en-US" altLang="zh-CN"/>
               <a:t>Click to edit Master text styles</a:t>
             </a:r>
+            <a:endParaRPr lang="en-US" altLang="zh-CN"/>
           </a:p>
           <a:p>
             <a:pPr lvl="1"/>
@@ -1587,6 +1568,7 @@
               <a:rPr lang="en-US" altLang="zh-CN"/>
               <a:t>Second level</a:t>
             </a:r>
+            <a:endParaRPr lang="en-US" altLang="zh-CN"/>
           </a:p>
           <a:p>
             <a:pPr lvl="2"/>
@@ -1594,6 +1576,7 @@
               <a:rPr lang="en-US" altLang="zh-CN"/>
               <a:t>Third level</a:t>
             </a:r>
+            <a:endParaRPr lang="en-US" altLang="zh-CN"/>
           </a:p>
           <a:p>
             <a:pPr lvl="3"/>
@@ -1601,6 +1584,7 @@
               <a:rPr lang="en-US" altLang="zh-CN"/>
               <a:t>Fourth level</a:t>
             </a:r>
+            <a:endParaRPr lang="en-US" altLang="zh-CN"/>
           </a:p>
           <a:p>
             <a:pPr lvl="4"/>
@@ -1629,7 +1613,6 @@
           <a:p>
             <a:fld id="{C764DE79-268F-4C1A-8933-263129D2AF90}" type="datetimeFigureOut">
               <a:rPr lang="en-US" dirty="0"/>
-              <a:t>6/20/2022</a:t>
             </a:fld>
             <a:endParaRPr lang="en-US"/>
           </a:p>
@@ -1671,18 +1654,12 @@
           <a:p>
             <a:fld id="{48F63A3B-78C7-47BE-AE5E-E10140E04643}" type="slidenum">
               <a:rPr lang="en-US" dirty="0"/>
-              <a:t>‹#›</a:t>
             </a:fld>
             <a:endParaRPr lang="en-US"/>
           </a:p>
         </p:txBody>
       </p:sp>
     </p:spTree>
-    <p:extLst>
-      <p:ext uri="{BB962C8B-B14F-4D97-AF65-F5344CB8AC3E}">
-        <p14:creationId xmlns:p14="http://schemas.microsoft.com/office/powerpoint/2010/main" val="887126403"/>
-      </p:ext>
-    </p:extLst>
   </p:cSld>
   <p:clrMapOvr>
     <a:masterClrMapping/>
@@ -1747,7 +1724,6 @@
           <a:p>
             <a:fld id="{C764DE79-268F-4C1A-8933-263129D2AF90}" type="datetimeFigureOut">
               <a:rPr lang="en-US" dirty="0"/>
-              <a:t>6/20/2022</a:t>
             </a:fld>
             <a:endParaRPr lang="en-US"/>
           </a:p>
@@ -1789,18 +1765,12 @@
           <a:p>
             <a:fld id="{48F63A3B-78C7-47BE-AE5E-E10140E04643}" type="slidenum">
               <a:rPr lang="en-US" dirty="0"/>
-              <a:t>‹#›</a:t>
             </a:fld>
             <a:endParaRPr lang="en-US"/>
           </a:p>
         </p:txBody>
       </p:sp>
     </p:spTree>
-    <p:extLst>
-      <p:ext uri="{BB962C8B-B14F-4D97-AF65-F5344CB8AC3E}">
-        <p14:creationId xmlns:p14="http://schemas.microsoft.com/office/powerpoint/2010/main" val="3840621211"/>
-      </p:ext>
-    </p:extLst>
   </p:cSld>
   <p:clrMapOvr>
     <a:masterClrMapping/>
@@ -1842,7 +1812,6 @@
           <a:p>
             <a:fld id="{C764DE79-268F-4C1A-8933-263129D2AF90}" type="datetimeFigureOut">
               <a:rPr lang="en-US" dirty="0"/>
-              <a:t>6/20/2022</a:t>
             </a:fld>
             <a:endParaRPr lang="en-US"/>
           </a:p>
@@ -1884,18 +1853,12 @@
           <a:p>
             <a:fld id="{48F63A3B-78C7-47BE-AE5E-E10140E04643}" type="slidenum">
               <a:rPr lang="en-US" dirty="0"/>
-              <a:t>‹#›</a:t>
             </a:fld>
             <a:endParaRPr lang="en-US"/>
           </a:p>
         </p:txBody>
       </p:sp>
     </p:spTree>
-    <p:extLst>
-      <p:ext uri="{BB962C8B-B14F-4D97-AF65-F5344CB8AC3E}">
-        <p14:creationId xmlns:p14="http://schemas.microsoft.com/office/powerpoint/2010/main" val="3747478107"/>
-      </p:ext>
-    </p:extLst>
   </p:cSld>
   <p:clrMapOvr>
     <a:masterClrMapping/>
@@ -2005,6 +1968,7 @@
               <a:rPr lang="en-US" altLang="zh-CN"/>
               <a:t>Click to edit Master text styles</a:t>
             </a:r>
+            <a:endParaRPr lang="en-US" altLang="zh-CN"/>
           </a:p>
           <a:p>
             <a:pPr lvl="1"/>
@@ -2012,6 +1976,7 @@
               <a:rPr lang="en-US" altLang="zh-CN"/>
               <a:t>Second level</a:t>
             </a:r>
+            <a:endParaRPr lang="en-US" altLang="zh-CN"/>
           </a:p>
           <a:p>
             <a:pPr lvl="2"/>
@@ -2019,6 +1984,7 @@
               <a:rPr lang="en-US" altLang="zh-CN"/>
               <a:t>Third level</a:t>
             </a:r>
+            <a:endParaRPr lang="en-US" altLang="zh-CN"/>
           </a:p>
           <a:p>
             <a:pPr lvl="3"/>
@@ -2026,6 +1992,7 @@
               <a:rPr lang="en-US" altLang="zh-CN"/>
               <a:t>Fourth level</a:t>
             </a:r>
+            <a:endParaRPr lang="en-US" altLang="zh-CN"/>
           </a:p>
           <a:p>
             <a:pPr lvl="4"/>
@@ -2099,6 +2066,7 @@
               <a:rPr lang="en-US" altLang="zh-CN"/>
               <a:t>Click to edit Master text styles</a:t>
             </a:r>
+            <a:endParaRPr lang="en-US" altLang="zh-CN"/>
           </a:p>
         </p:txBody>
       </p:sp>
@@ -2119,7 +2087,6 @@
           <a:p>
             <a:fld id="{C764DE79-268F-4C1A-8933-263129D2AF90}" type="datetimeFigureOut">
               <a:rPr lang="en-US" dirty="0"/>
-              <a:t>6/20/2022</a:t>
             </a:fld>
             <a:endParaRPr lang="en-US"/>
           </a:p>
@@ -2161,18 +2128,12 @@
           <a:p>
             <a:fld id="{48F63A3B-78C7-47BE-AE5E-E10140E04643}" type="slidenum">
               <a:rPr lang="en-US" dirty="0"/>
-              <a:t>‹#›</a:t>
             </a:fld>
             <a:endParaRPr lang="en-US"/>
           </a:p>
         </p:txBody>
       </p:sp>
     </p:spTree>
-    <p:extLst>
-      <p:ext uri="{BB962C8B-B14F-4D97-AF65-F5344CB8AC3E}">
-        <p14:creationId xmlns:p14="http://schemas.microsoft.com/office/powerpoint/2010/main" val="935815795"/>
-      </p:ext>
-    </p:extLst>
   </p:cSld>
   <p:clrMapOvr>
     <a:masterClrMapping/>
@@ -2356,6 +2317,7 @@
               <a:rPr lang="en-US" altLang="zh-CN"/>
               <a:t>Click to edit Master text styles</a:t>
             </a:r>
+            <a:endParaRPr lang="en-US" altLang="zh-CN"/>
           </a:p>
         </p:txBody>
       </p:sp>
@@ -2376,7 +2338,6 @@
           <a:p>
             <a:fld id="{C764DE79-268F-4C1A-8933-263129D2AF90}" type="datetimeFigureOut">
               <a:rPr lang="en-US" dirty="0"/>
-              <a:t>6/20/2022</a:t>
             </a:fld>
             <a:endParaRPr lang="en-US"/>
           </a:p>
@@ -2418,18 +2379,12 @@
           <a:p>
             <a:fld id="{48F63A3B-78C7-47BE-AE5E-E10140E04643}" type="slidenum">
               <a:rPr lang="en-US" dirty="0"/>
-              <a:t>‹#›</a:t>
             </a:fld>
             <a:endParaRPr lang="en-US"/>
           </a:p>
         </p:txBody>
       </p:sp>
     </p:spTree>
-    <p:extLst>
-      <p:ext uri="{BB962C8B-B14F-4D97-AF65-F5344CB8AC3E}">
-        <p14:creationId xmlns:p14="http://schemas.microsoft.com/office/powerpoint/2010/main" val="3625847492"/>
-      </p:ext>
-    </p:extLst>
   </p:cSld>
   <p:clrMapOvr>
     <a:masterClrMapping/>
@@ -2522,6 +2477,7 @@
               <a:rPr lang="en-US" altLang="zh-CN"/>
               <a:t>Click to edit Master text styles</a:t>
             </a:r>
+            <a:endParaRPr lang="en-US" altLang="zh-CN"/>
           </a:p>
           <a:p>
             <a:pPr lvl="1"/>
@@ -2529,6 +2485,7 @@
               <a:rPr lang="en-US" altLang="zh-CN"/>
               <a:t>Second level</a:t>
             </a:r>
+            <a:endParaRPr lang="en-US" altLang="zh-CN"/>
           </a:p>
           <a:p>
             <a:pPr lvl="2"/>
@@ -2536,6 +2493,7 @@
               <a:rPr lang="en-US" altLang="zh-CN"/>
               <a:t>Third level</a:t>
             </a:r>
+            <a:endParaRPr lang="en-US" altLang="zh-CN"/>
           </a:p>
           <a:p>
             <a:pPr lvl="3"/>
@@ -2543,6 +2501,7 @@
               <a:rPr lang="en-US" altLang="zh-CN"/>
               <a:t>Fourth level</a:t>
             </a:r>
+            <a:endParaRPr lang="en-US" altLang="zh-CN"/>
           </a:p>
           <a:p>
             <a:pPr lvl="4"/>
@@ -2589,7 +2548,6 @@
           <a:p>
             <a:fld id="{C764DE79-268F-4C1A-8933-263129D2AF90}" type="datetimeFigureOut">
               <a:rPr lang="en-US" dirty="0"/>
-              <a:t>6/20/2022</a:t>
             </a:fld>
             <a:endParaRPr lang="en-US"/>
           </a:p>
@@ -2667,32 +2625,26 @@
           <a:p>
             <a:fld id="{48F63A3B-78C7-47BE-AE5E-E10140E04643}" type="slidenum">
               <a:rPr lang="en-US" dirty="0"/>
-              <a:t>‹#›</a:t>
             </a:fld>
             <a:endParaRPr lang="en-US"/>
           </a:p>
         </p:txBody>
       </p:sp>
     </p:spTree>
-    <p:extLst>
-      <p:ext uri="{BB962C8B-B14F-4D97-AF65-F5344CB8AC3E}">
-        <p14:creationId xmlns:p14="http://schemas.microsoft.com/office/powerpoint/2010/main" val="3221718216"/>
-      </p:ext>
-    </p:extLst>
   </p:cSld>
   <p:clrMap bg1="lt1" tx1="dk1" bg2="lt2" tx2="dk2" accent1="accent1" accent2="accent2" accent3="accent3" accent4="accent4" accent5="accent5" accent6="accent6" hlink="hlink" folHlink="folHlink"/>
   <p:sldLayoutIdLst>
-    <p:sldLayoutId id="2147483685" r:id="rId1"/>
-    <p:sldLayoutId id="2147483686" r:id="rId2"/>
-    <p:sldLayoutId id="2147483687" r:id="rId3"/>
-    <p:sldLayoutId id="2147483688" r:id="rId4"/>
-    <p:sldLayoutId id="2147483689" r:id="rId5"/>
-    <p:sldLayoutId id="2147483690" r:id="rId6"/>
-    <p:sldLayoutId id="2147483691" r:id="rId7"/>
-    <p:sldLayoutId id="2147483692" r:id="rId8"/>
-    <p:sldLayoutId id="2147483693" r:id="rId9"/>
-    <p:sldLayoutId id="2147483694" r:id="rId10"/>
-    <p:sldLayoutId id="2147483695" r:id="rId11"/>
+    <p:sldLayoutId id="2147483649" r:id="rId1"/>
+    <p:sldLayoutId id="2147483650" r:id="rId2"/>
+    <p:sldLayoutId id="2147483651" r:id="rId3"/>
+    <p:sldLayoutId id="2147483652" r:id="rId4"/>
+    <p:sldLayoutId id="2147483653" r:id="rId5"/>
+    <p:sldLayoutId id="2147483654" r:id="rId6"/>
+    <p:sldLayoutId id="2147483655" r:id="rId7"/>
+    <p:sldLayoutId id="2147483656" r:id="rId8"/>
+    <p:sldLayoutId id="2147483657" r:id="rId9"/>
+    <p:sldLayoutId id="2147483658" r:id="rId10"/>
+    <p:sldLayoutId id="2147483659" r:id="rId11"/>
   </p:sldLayoutIdLst>
   <p:txStyles>
     <p:titleStyle>
@@ -3004,20 +2956,14 @@
       </p:grpSpPr>
       <p:pic>
         <p:nvPicPr>
-          <p:cNvPr id="6" name="Picture 5">
-            <a:extLst>
-              <a:ext uri="{FF2B5EF4-FFF2-40B4-BE49-F238E27FC236}">
-                <a16:creationId xmlns:a16="http://schemas.microsoft.com/office/drawing/2014/main" id="{841DC996-1A4B-4D4F-A733-3A00E5ABC2BB}"/>
-              </a:ext>
-            </a:extLst>
-          </p:cNvPr>
+          <p:cNvPr id="6" name="Picture 5"/>
           <p:cNvPicPr>
             <a:picLocks noChangeAspect="1"/>
           </p:cNvPicPr>
           <p:nvPr/>
         </p:nvPicPr>
         <p:blipFill>
-          <a:blip r:embed="rId2">
+          <a:blip r:embed="rId1">
             <a:extLst>
               <a:ext uri="{28A0092B-C50C-407E-A947-70E740481C1C}">
                 <a14:useLocalDpi xmlns:a14="http://schemas.microsoft.com/office/drawing/2010/main" val="0"/>
@@ -3040,20 +2986,14 @@
       </p:pic>
       <p:sp>
         <p:nvSpPr>
-          <p:cNvPr id="11" name="TextBox 10">
-            <a:extLst>
-              <a:ext uri="{FF2B5EF4-FFF2-40B4-BE49-F238E27FC236}">
-                <a16:creationId xmlns:a16="http://schemas.microsoft.com/office/drawing/2014/main" id="{00CC22B5-8500-2C45-91DE-A596A6DF1C3B}"/>
-              </a:ext>
-            </a:extLst>
-          </p:cNvPr>
+          <p:cNvPr id="11" name="TextBox 10"/>
           <p:cNvSpPr txBox="1"/>
           <p:nvPr/>
         </p:nvSpPr>
         <p:spPr>
           <a:xfrm>
             <a:off x="870857" y="2380343"/>
-            <a:ext cx="8873711" cy="2769989"/>
+            <a:ext cx="8783955" cy="2768600"/>
           </a:xfrm>
           <a:prstGeom prst="rect">
             <a:avLst/>
@@ -3076,6 +3016,11 @@
               </a:rPr>
               <a:t>Exploratory Data Analysis</a:t>
             </a:r>
+            <a:endParaRPr lang="en-US" sz="6600" dirty="0">
+              <a:solidFill>
+                <a:srgbClr val="FF6600"/>
+              </a:solidFill>
+            </a:endParaRPr>
           </a:p>
           <a:p>
             <a:r>
@@ -3086,6 +3031,11 @@
               </a:rPr>
               <a:t>G2M insight for Cab Investment firm</a:t>
             </a:r>
+            <a:endParaRPr lang="en-US" sz="4000" dirty="0">
+              <a:solidFill>
+                <a:srgbClr val="FF6600"/>
+              </a:solidFill>
+            </a:endParaRPr>
           </a:p>
           <a:p>
             <a:endParaRPr lang="en-US" sz="4000" dirty="0"/>
@@ -3097,15 +3047,16 @@
                   <a:srgbClr val="FF6600"/>
                 </a:solidFill>
               </a:rPr>
-              <a:t>June 18</a:t>
+              <a:t>June 21</a:t>
             </a:r>
             <a:r>
               <a:rPr lang="en-US" altLang="zh-CN" sz="2800" b="1" baseline="30000" dirty="0">
                 <a:solidFill>
                   <a:srgbClr val="FF6600"/>
                 </a:solidFill>
+                <a:uFillTx/>
               </a:rPr>
-              <a:t>th</a:t>
+              <a:t>st</a:t>
             </a:r>
             <a:r>
               <a:rPr lang="en-US" altLang="zh-CN" sz="2800" b="1" dirty="0">
@@ -3124,11 +3075,6 @@
         </p:txBody>
       </p:sp>
     </p:spTree>
-    <p:extLst>
-      <p:ext uri="{BB962C8B-B14F-4D97-AF65-F5344CB8AC3E}">
-        <p14:creationId xmlns:p14="http://schemas.microsoft.com/office/powerpoint/2010/main" val="109857222"/>
-      </p:ext>
-    </p:extLst>
   </p:cSld>
   <p:clrMapOvr>
     <a:masterClrMapping/>
@@ -3155,13 +3101,7 @@
       </p:grpSpPr>
       <p:pic>
         <p:nvPicPr>
-          <p:cNvPr id="5" name="Content Placeholder 4">
-            <a:extLst>
-              <a:ext uri="{FF2B5EF4-FFF2-40B4-BE49-F238E27FC236}">
-                <a16:creationId xmlns:a16="http://schemas.microsoft.com/office/drawing/2014/main" id="{4CEE84AA-BF4B-C4AF-97FE-4B00B44F4052}"/>
-              </a:ext>
-            </a:extLst>
-          </p:cNvPr>
+          <p:cNvPr id="5" name="Content Placeholder 4"/>
           <p:cNvPicPr>
             <a:picLocks noGrp="1" noChangeAspect="1"/>
           </p:cNvPicPr>
@@ -3170,7 +3110,7 @@
           </p:nvPr>
         </p:nvPicPr>
         <p:blipFill>
-          <a:blip r:embed="rId2"/>
+          <a:blip r:embed="rId1"/>
           <a:stretch>
             <a:fillRect/>
           </a:stretch>
@@ -3184,13 +3124,7 @@
       </p:pic>
       <p:sp>
         <p:nvSpPr>
-          <p:cNvPr id="4" name="Rectangle 3">
-            <a:extLst>
-              <a:ext uri="{FF2B5EF4-FFF2-40B4-BE49-F238E27FC236}">
-                <a16:creationId xmlns:a16="http://schemas.microsoft.com/office/drawing/2014/main" id="{DD7B960C-F6E1-AE45-98A6-122DB2A97B5B}"/>
-              </a:ext>
-            </a:extLst>
-          </p:cNvPr>
+          <p:cNvPr id="4" name="Rectangle 3"/>
           <p:cNvSpPr/>
           <p:nvPr/>
         </p:nvSpPr>
@@ -3235,13 +3169,7 @@
       </p:sp>
       <p:sp>
         <p:nvSpPr>
-          <p:cNvPr id="6" name="Title 1">
-            <a:extLst>
-              <a:ext uri="{FF2B5EF4-FFF2-40B4-BE49-F238E27FC236}">
-                <a16:creationId xmlns:a16="http://schemas.microsoft.com/office/drawing/2014/main" id="{C526CBCB-8ADA-0E48-96D7-11EEE40222DD}"/>
-              </a:ext>
-            </a:extLst>
-          </p:cNvPr>
+          <p:cNvPr id="6" name="Title 1"/>
           <p:cNvSpPr>
             <a:spLocks noGrp="1"/>
           </p:cNvSpPr>
@@ -3323,20 +3251,14 @@
       </p:sp>
       <p:pic>
         <p:nvPicPr>
-          <p:cNvPr id="8" name="Picture 7">
-            <a:extLst>
-              <a:ext uri="{FF2B5EF4-FFF2-40B4-BE49-F238E27FC236}">
-                <a16:creationId xmlns:a16="http://schemas.microsoft.com/office/drawing/2014/main" id="{EFCF2040-C8AD-9A79-8815-3DC7CCD0A994}"/>
-              </a:ext>
-            </a:extLst>
-          </p:cNvPr>
+          <p:cNvPr id="8" name="Picture 7"/>
           <p:cNvPicPr>
             <a:picLocks noChangeAspect="1"/>
           </p:cNvPicPr>
           <p:nvPr/>
         </p:nvPicPr>
         <p:blipFill>
-          <a:blip r:embed="rId3"/>
+          <a:blip r:embed="rId2"/>
           <a:stretch>
             <a:fillRect/>
           </a:stretch>
@@ -3353,13 +3275,7 @@
       </p:pic>
       <p:sp>
         <p:nvSpPr>
-          <p:cNvPr id="10" name="TextBox 9">
-            <a:extLst>
-              <a:ext uri="{FF2B5EF4-FFF2-40B4-BE49-F238E27FC236}">
-                <a16:creationId xmlns:a16="http://schemas.microsoft.com/office/drawing/2014/main" id="{3F352FB4-1D48-E83E-3064-622A197159DC}"/>
-              </a:ext>
-            </a:extLst>
-          </p:cNvPr>
+          <p:cNvPr id="10" name="TextBox 9"/>
           <p:cNvSpPr txBox="1"/>
           <p:nvPr/>
         </p:nvSpPr>
@@ -3387,6 +3303,7 @@
               <a:rPr lang="en-US" altLang="zh-CN" dirty="0"/>
               <a:t>From the graph, there are no significant difference in number of times of taking taxis among different groups.</a:t>
             </a:r>
+            <a:endParaRPr lang="en-US" altLang="zh-CN" dirty="0"/>
           </a:p>
           <a:p>
             <a:pPr marL="285750" indent="-285750">
@@ -3404,6 +3321,7 @@
               <a:rPr lang="en-US" altLang="zh-CN" dirty="0"/>
               <a:t>The correlation value between age and the number of times is also extremely insignificant.</a:t>
             </a:r>
+            <a:endParaRPr lang="en-US" altLang="zh-CN" dirty="0"/>
           </a:p>
           <a:p>
             <a:endParaRPr lang="zh-CN" altLang="en-US" dirty="0"/>
@@ -3411,11 +3329,6 @@
         </p:txBody>
       </p:sp>
     </p:spTree>
-    <p:extLst>
-      <p:ext uri="{BB962C8B-B14F-4D97-AF65-F5344CB8AC3E}">
-        <p14:creationId xmlns:p14="http://schemas.microsoft.com/office/powerpoint/2010/main" val="1151854796"/>
-      </p:ext>
-    </p:extLst>
   </p:cSld>
   <p:clrMapOvr>
     <a:masterClrMapping/>
@@ -3442,13 +3355,7 @@
       </p:grpSpPr>
       <p:pic>
         <p:nvPicPr>
-          <p:cNvPr id="5" name="Content Placeholder 4">
-            <a:extLst>
-              <a:ext uri="{FF2B5EF4-FFF2-40B4-BE49-F238E27FC236}">
-                <a16:creationId xmlns:a16="http://schemas.microsoft.com/office/drawing/2014/main" id="{1B8A8A91-4E22-6D29-4E9F-65463810747D}"/>
-              </a:ext>
-            </a:extLst>
-          </p:cNvPr>
+          <p:cNvPr id="5" name="Content Placeholder 4"/>
           <p:cNvPicPr>
             <a:picLocks noGrp="1" noChangeAspect="1"/>
           </p:cNvPicPr>
@@ -3457,7 +3364,7 @@
           </p:nvPr>
         </p:nvPicPr>
         <p:blipFill>
-          <a:blip r:embed="rId2"/>
+          <a:blip r:embed="rId1"/>
           <a:stretch>
             <a:fillRect/>
           </a:stretch>
@@ -3471,13 +3378,7 @@
       </p:pic>
       <p:sp>
         <p:nvSpPr>
-          <p:cNvPr id="4" name="Rectangle 3">
-            <a:extLst>
-              <a:ext uri="{FF2B5EF4-FFF2-40B4-BE49-F238E27FC236}">
-                <a16:creationId xmlns:a16="http://schemas.microsoft.com/office/drawing/2014/main" id="{DD7B960C-F6E1-AE45-98A6-122DB2A97B5B}"/>
-              </a:ext>
-            </a:extLst>
-          </p:cNvPr>
+          <p:cNvPr id="4" name="Rectangle 3"/>
           <p:cNvSpPr/>
           <p:nvPr/>
         </p:nvSpPr>
@@ -3522,13 +3423,7 @@
       </p:sp>
       <p:sp>
         <p:nvSpPr>
-          <p:cNvPr id="6" name="Title 1">
-            <a:extLst>
-              <a:ext uri="{FF2B5EF4-FFF2-40B4-BE49-F238E27FC236}">
-                <a16:creationId xmlns:a16="http://schemas.microsoft.com/office/drawing/2014/main" id="{C526CBCB-8ADA-0E48-96D7-11EEE40222DD}"/>
-              </a:ext>
-            </a:extLst>
-          </p:cNvPr>
+          <p:cNvPr id="6" name="Title 1"/>
           <p:cNvSpPr>
             <a:spLocks noGrp="1"/>
           </p:cNvSpPr>
@@ -3558,18 +3453,19 @@
               </a:rPr>
               <a:t>EDA: Hypothesis 2 – Overview of Two Cab Companies</a:t>
             </a:r>
-          </a:p>
-        </p:txBody>
-      </p:sp>
-      <p:sp>
-        <p:nvSpPr>
-          <p:cNvPr id="8" name="TextBox 7">
-            <a:extLst>
-              <a:ext uri="{FF2B5EF4-FFF2-40B4-BE49-F238E27FC236}">
-                <a16:creationId xmlns:a16="http://schemas.microsoft.com/office/drawing/2014/main" id="{E170DBA8-1AEA-3A8B-7F0D-DD4A479CA334}"/>
-              </a:ext>
-            </a:extLst>
-          </p:cNvPr>
+            <a:endParaRPr lang="en-US" sz="3500" b="1" dirty="0">
+              <a:solidFill>
+                <a:schemeClr val="accent2"/>
+              </a:solidFill>
+              <a:latin typeface="Calibri" panose="020F0502020204030204" pitchFamily="34" charset="0"/>
+              <a:cs typeface="Calibri" panose="020F0502020204030204" pitchFamily="34" charset="0"/>
+            </a:endParaRPr>
+          </a:p>
+        </p:txBody>
+      </p:sp>
+      <p:sp>
+        <p:nvSpPr>
+          <p:cNvPr id="8" name="TextBox 7"/>
           <p:cNvSpPr txBox="1"/>
           <p:nvPr/>
         </p:nvSpPr>
@@ -3597,6 +3493,7 @@
               <a:rPr lang="en-US" altLang="zh-CN" dirty="0"/>
               <a:t>Yellow Cab Company is more popular than Pink Cab Company, since it has much greater number of orders.</a:t>
             </a:r>
+            <a:endParaRPr lang="en-US" altLang="zh-CN" dirty="0"/>
           </a:p>
           <a:p>
             <a:pPr marL="285750" indent="-285750">
@@ -3614,6 +3511,7 @@
               <a:rPr lang="en-US" altLang="zh-CN" dirty="0"/>
               <a:t>It also has more average revenue per order, which means that it is more efficient in making revenues than Pink Cab.</a:t>
             </a:r>
+            <a:endParaRPr lang="en-US" altLang="zh-CN" dirty="0"/>
           </a:p>
           <a:p>
             <a:pPr marL="285750" indent="-285750">
@@ -3631,6 +3529,7 @@
               <a:rPr lang="en-US" altLang="zh-CN" dirty="0"/>
               <a:t>Guess of possible reasons: </a:t>
             </a:r>
+            <a:endParaRPr lang="en-US" altLang="zh-CN" dirty="0"/>
           </a:p>
           <a:p>
             <a:pPr marL="742950" lvl="1" indent="-285750">
@@ -3665,6 +3564,7 @@
               <a:rPr lang="en-US" altLang="zh-CN" dirty="0"/>
               <a:t>proportion of orders’ distances</a:t>
             </a:r>
+            <a:endParaRPr lang="en-US" altLang="zh-CN" dirty="0"/>
           </a:p>
           <a:p>
             <a:pPr marL="742950" lvl="1" indent="-285750">
@@ -3675,15 +3575,11 @@
               <a:rPr lang="en-US" altLang="zh-CN" dirty="0"/>
               <a:t>Difference in the control of costs</a:t>
             </a:r>
+            <a:endParaRPr lang="en-US" altLang="zh-CN" dirty="0"/>
           </a:p>
         </p:txBody>
       </p:sp>
     </p:spTree>
-    <p:extLst>
-      <p:ext uri="{BB962C8B-B14F-4D97-AF65-F5344CB8AC3E}">
-        <p14:creationId xmlns:p14="http://schemas.microsoft.com/office/powerpoint/2010/main" val="1164207539"/>
-      </p:ext>
-    </p:extLst>
   </p:cSld>
   <p:clrMapOvr>
     <a:masterClrMapping/>
@@ -3710,13 +3606,7 @@
       </p:grpSpPr>
       <p:sp>
         <p:nvSpPr>
-          <p:cNvPr id="4" name="Rectangle 3">
-            <a:extLst>
-              <a:ext uri="{FF2B5EF4-FFF2-40B4-BE49-F238E27FC236}">
-                <a16:creationId xmlns:a16="http://schemas.microsoft.com/office/drawing/2014/main" id="{DD7B960C-F6E1-AE45-98A6-122DB2A97B5B}"/>
-              </a:ext>
-            </a:extLst>
-          </p:cNvPr>
+          <p:cNvPr id="4" name="Rectangle 3"/>
           <p:cNvSpPr/>
           <p:nvPr/>
         </p:nvSpPr>
@@ -3761,13 +3651,7 @@
       </p:sp>
       <p:sp>
         <p:nvSpPr>
-          <p:cNvPr id="6" name="Title 1">
-            <a:extLst>
-              <a:ext uri="{FF2B5EF4-FFF2-40B4-BE49-F238E27FC236}">
-                <a16:creationId xmlns:a16="http://schemas.microsoft.com/office/drawing/2014/main" id="{C526CBCB-8ADA-0E48-96D7-11EEE40222DD}"/>
-              </a:ext>
-            </a:extLst>
-          </p:cNvPr>
+          <p:cNvPr id="6" name="Title 1"/>
           <p:cNvSpPr>
             <a:spLocks noGrp="1"/>
           </p:cNvSpPr>
@@ -3797,25 +3681,26 @@
               </a:rPr>
               <a:t>EDA: Hypothesis 2 – Comparison of Orders’ Distance</a:t>
             </a:r>
+            <a:endParaRPr lang="en-US" sz="3500" b="1" dirty="0">
+              <a:solidFill>
+                <a:schemeClr val="accent2"/>
+              </a:solidFill>
+              <a:latin typeface="Calibri" panose="020F0502020204030204" pitchFamily="34" charset="0"/>
+              <a:cs typeface="Calibri" panose="020F0502020204030204" pitchFamily="34" charset="0"/>
+            </a:endParaRPr>
           </a:p>
         </p:txBody>
       </p:sp>
       <p:pic>
         <p:nvPicPr>
-          <p:cNvPr id="9" name="Picture 8">
-            <a:extLst>
-              <a:ext uri="{FF2B5EF4-FFF2-40B4-BE49-F238E27FC236}">
-                <a16:creationId xmlns:a16="http://schemas.microsoft.com/office/drawing/2014/main" id="{E27EB8F8-216A-9448-BDCB-7422A7BC2503}"/>
-              </a:ext>
-            </a:extLst>
-          </p:cNvPr>
+          <p:cNvPr id="9" name="Picture 8"/>
           <p:cNvPicPr>
             <a:picLocks noChangeAspect="1"/>
           </p:cNvPicPr>
           <p:nvPr/>
         </p:nvPicPr>
         <p:blipFill>
-          <a:blip r:embed="rId2"/>
+          <a:blip r:embed="rId1"/>
           <a:stretch>
             <a:fillRect/>
           </a:stretch>
@@ -3832,13 +3717,7 @@
       </p:pic>
       <p:sp>
         <p:nvSpPr>
-          <p:cNvPr id="11" name="TextBox 10">
-            <a:extLst>
-              <a:ext uri="{FF2B5EF4-FFF2-40B4-BE49-F238E27FC236}">
-                <a16:creationId xmlns:a16="http://schemas.microsoft.com/office/drawing/2014/main" id="{90E248CE-CF02-1BD8-2AAC-68EE6027F6BB}"/>
-              </a:ext>
-            </a:extLst>
-          </p:cNvPr>
+          <p:cNvPr id="11" name="TextBox 10"/>
           <p:cNvSpPr txBox="1"/>
           <p:nvPr/>
         </p:nvSpPr>
@@ -3867,11 +3746,6 @@
         </p:txBody>
       </p:sp>
     </p:spTree>
-    <p:extLst>
-      <p:ext uri="{BB962C8B-B14F-4D97-AF65-F5344CB8AC3E}">
-        <p14:creationId xmlns:p14="http://schemas.microsoft.com/office/powerpoint/2010/main" val="2741364486"/>
-      </p:ext>
-    </p:extLst>
   </p:cSld>
   <p:clrMapOvr>
     <a:masterClrMapping/>
@@ -3898,13 +3772,7 @@
       </p:grpSpPr>
       <p:sp>
         <p:nvSpPr>
-          <p:cNvPr id="4" name="Rectangle 3">
-            <a:extLst>
-              <a:ext uri="{FF2B5EF4-FFF2-40B4-BE49-F238E27FC236}">
-                <a16:creationId xmlns:a16="http://schemas.microsoft.com/office/drawing/2014/main" id="{DD7B960C-F6E1-AE45-98A6-122DB2A97B5B}"/>
-              </a:ext>
-            </a:extLst>
-          </p:cNvPr>
+          <p:cNvPr id="4" name="Rectangle 3"/>
           <p:cNvSpPr/>
           <p:nvPr/>
         </p:nvSpPr>
@@ -3949,13 +3817,7 @@
       </p:sp>
       <p:sp>
         <p:nvSpPr>
-          <p:cNvPr id="6" name="Title 1">
-            <a:extLst>
-              <a:ext uri="{FF2B5EF4-FFF2-40B4-BE49-F238E27FC236}">
-                <a16:creationId xmlns:a16="http://schemas.microsoft.com/office/drawing/2014/main" id="{C526CBCB-8ADA-0E48-96D7-11EEE40222DD}"/>
-              </a:ext>
-            </a:extLst>
-          </p:cNvPr>
+          <p:cNvPr id="6" name="Title 1"/>
           <p:cNvSpPr>
             <a:spLocks noGrp="1"/>
           </p:cNvSpPr>
@@ -3985,18 +3847,111 @@
               </a:rPr>
               <a:t>EDA: Hypothesis 2 – Comparison of costs’ proportion</a:t>
             </a:r>
+            <a:endParaRPr lang="en-US" sz="3500" b="1" dirty="0">
+              <a:solidFill>
+                <a:schemeClr val="accent2"/>
+              </a:solidFill>
+              <a:latin typeface="Calibri" panose="020F0502020204030204" pitchFamily="34" charset="0"/>
+              <a:cs typeface="Calibri" panose="020F0502020204030204" pitchFamily="34" charset="0"/>
+            </a:endParaRPr>
           </a:p>
         </p:txBody>
       </p:sp>
       <p:pic>
         <p:nvPicPr>
-          <p:cNvPr id="3" name="Picture 2">
-            <a:extLst>
-              <a:ext uri="{FF2B5EF4-FFF2-40B4-BE49-F238E27FC236}">
-                <a16:creationId xmlns:a16="http://schemas.microsoft.com/office/drawing/2014/main" id="{6C909DC6-677F-CB2A-3909-3E145C19D805}"/>
-              </a:ext>
-            </a:extLst>
-          </p:cNvPr>
+          <p:cNvPr id="3" name="Picture 2"/>
+          <p:cNvPicPr>
+            <a:picLocks noChangeAspect="1"/>
+          </p:cNvPicPr>
+          <p:nvPr/>
+        </p:nvPicPr>
+        <p:blipFill>
+          <a:blip r:embed="rId1"/>
+          <a:stretch>
+            <a:fillRect/>
+          </a:stretch>
+        </p:blipFill>
+        <p:spPr>
+          <a:xfrm>
+            <a:off x="4582261" y="4162356"/>
+            <a:ext cx="3027467" cy="1197225"/>
+          </a:xfrm>
+          <a:prstGeom prst="rect">
+            <a:avLst/>
+          </a:prstGeom>
+        </p:spPr>
+      </p:pic>
+      <p:sp>
+        <p:nvSpPr>
+          <p:cNvPr id="7" name="TextBox 6"/>
+          <p:cNvSpPr txBox="1"/>
+          <p:nvPr/>
+        </p:nvSpPr>
+        <p:spPr>
+          <a:xfrm>
+            <a:off x="1869230" y="5602440"/>
+            <a:ext cx="8453535" cy="923330"/>
+          </a:xfrm>
+          <a:prstGeom prst="rect">
+            <a:avLst/>
+          </a:prstGeom>
+          <a:noFill/>
+        </p:spPr>
+        <p:txBody>
+          <a:bodyPr wrap="square">
+            <a:spAutoFit/>
+          </a:bodyPr>
+          <a:lstStyle/>
+          <a:p>
+            <a:pPr marL="285750" indent="-285750">
+              <a:buFont typeface="Arial" panose="020B0604020202020204" pitchFamily="34" charset="0"/>
+              <a:buChar char="•"/>
+            </a:pPr>
+            <a:r>
+              <a:rPr lang="en-US" altLang="zh-CN" dirty="0"/>
+              <a:t>Yellow Cab Company has less cost proportion(65.0%) than Pink Cab Company(79.8%), so it’s possible that Yellow Cab has a relatively better control of costs, but further research is needed to fully verify the second guess.</a:t>
+            </a:r>
+            <a:endParaRPr lang="zh-CN" altLang="en-US" dirty="0"/>
+          </a:p>
+        </p:txBody>
+      </p:sp>
+      <p:sp>
+        <p:nvSpPr>
+          <p:cNvPr id="11" name="TextBox 10"/>
+          <p:cNvSpPr txBox="1"/>
+          <p:nvPr/>
+        </p:nvSpPr>
+        <p:spPr>
+          <a:xfrm>
+            <a:off x="1869230" y="1871731"/>
+            <a:ext cx="8453535" cy="369332"/>
+          </a:xfrm>
+          <a:prstGeom prst="rect">
+            <a:avLst/>
+          </a:prstGeom>
+          <a:noFill/>
+        </p:spPr>
+        <p:txBody>
+          <a:bodyPr wrap="square">
+            <a:spAutoFit/>
+          </a:bodyPr>
+          <a:lstStyle/>
+          <a:p>
+            <a:pPr marL="285750" indent="-285750">
+              <a:buFont typeface="Arial" panose="020B0604020202020204" pitchFamily="34" charset="0"/>
+              <a:buChar char="•"/>
+            </a:pPr>
+            <a:r>
+              <a:rPr lang="en-US" altLang="zh-CN" dirty="0"/>
+              <a:t>The proportion of costs in the total prices charged is calculated and compared:</a:t>
+            </a:r>
+            <a:endParaRPr lang="en-US" altLang="zh-CN" dirty="0"/>
+          </a:p>
+        </p:txBody>
+      </p:sp>
+      <p:pic>
+        <p:nvPicPr>
+          <p:cNvPr id="13" name="Picture 12"/>
           <p:cNvPicPr>
             <a:picLocks noChangeAspect="1"/>
           </p:cNvPicPr>
@@ -4010,8 +3965,8 @@
         </p:blipFill>
         <p:spPr>
           <a:xfrm>
-            <a:off x="4582261" y="4162356"/>
-            <a:ext cx="3027467" cy="1197225"/>
+            <a:off x="2444222" y="2628151"/>
+            <a:ext cx="7303546" cy="646331"/>
           </a:xfrm>
           <a:prstGeom prst="rect">
             <a:avLst/>
@@ -4020,20 +3975,14 @@
       </p:pic>
       <p:sp>
         <p:nvSpPr>
-          <p:cNvPr id="7" name="TextBox 6">
-            <a:extLst>
-              <a:ext uri="{FF2B5EF4-FFF2-40B4-BE49-F238E27FC236}">
-                <a16:creationId xmlns:a16="http://schemas.microsoft.com/office/drawing/2014/main" id="{E866179C-99CC-66CB-F492-D5069E35F726}"/>
-              </a:ext>
-            </a:extLst>
-          </p:cNvPr>
+          <p:cNvPr id="14" name="TextBox 13"/>
           <p:cNvSpPr txBox="1"/>
           <p:nvPr/>
         </p:nvSpPr>
         <p:spPr>
           <a:xfrm>
-            <a:off x="1869230" y="5602440"/>
-            <a:ext cx="8453535" cy="923330"/>
+            <a:off x="1869230" y="3825255"/>
+            <a:ext cx="825034" cy="369332"/>
           </a:xfrm>
           <a:prstGeom prst="rect">
             <a:avLst/>
@@ -4041,115 +3990,6 @@
           <a:noFill/>
         </p:spPr>
         <p:txBody>
-          <a:bodyPr wrap="square">
-            <a:spAutoFit/>
-          </a:bodyPr>
-          <a:lstStyle/>
-          <a:p>
-            <a:pPr marL="285750" indent="-285750">
-              <a:buFont typeface="Arial" panose="020B0604020202020204" pitchFamily="34" charset="0"/>
-              <a:buChar char="•"/>
-            </a:pPr>
-            <a:r>
-              <a:rPr lang="en-US" altLang="zh-CN" dirty="0"/>
-              <a:t>Yellow Cab Company has less cost proportion(65.0%) than Pink Cab Company(79.8%), so it’s possible that Yellow Cab has a relatively better control of costs, but further research is needed to fully verify the second guess.</a:t>
-            </a:r>
-            <a:endParaRPr lang="zh-CN" altLang="en-US" dirty="0"/>
-          </a:p>
-        </p:txBody>
-      </p:sp>
-      <p:sp>
-        <p:nvSpPr>
-          <p:cNvPr id="11" name="TextBox 10">
-            <a:extLst>
-              <a:ext uri="{FF2B5EF4-FFF2-40B4-BE49-F238E27FC236}">
-                <a16:creationId xmlns:a16="http://schemas.microsoft.com/office/drawing/2014/main" id="{EA05F63E-5593-6F94-8B30-0534FE53B3AF}"/>
-              </a:ext>
-            </a:extLst>
-          </p:cNvPr>
-          <p:cNvSpPr txBox="1"/>
-          <p:nvPr/>
-        </p:nvSpPr>
-        <p:spPr>
-          <a:xfrm>
-            <a:off x="1869230" y="1871731"/>
-            <a:ext cx="8453535" cy="369332"/>
-          </a:xfrm>
-          <a:prstGeom prst="rect">
-            <a:avLst/>
-          </a:prstGeom>
-          <a:noFill/>
-        </p:spPr>
-        <p:txBody>
-          <a:bodyPr wrap="square">
-            <a:spAutoFit/>
-          </a:bodyPr>
-          <a:lstStyle/>
-          <a:p>
-            <a:pPr marL="285750" indent="-285750">
-              <a:buFont typeface="Arial" panose="020B0604020202020204" pitchFamily="34" charset="0"/>
-              <a:buChar char="•"/>
-            </a:pPr>
-            <a:r>
-              <a:rPr lang="en-US" altLang="zh-CN" dirty="0"/>
-              <a:t>The proportion of costs in the total prices charged is calculated and compared:</a:t>
-            </a:r>
-          </a:p>
-        </p:txBody>
-      </p:sp>
-      <p:pic>
-        <p:nvPicPr>
-          <p:cNvPr id="13" name="Picture 12">
-            <a:extLst>
-              <a:ext uri="{FF2B5EF4-FFF2-40B4-BE49-F238E27FC236}">
-                <a16:creationId xmlns:a16="http://schemas.microsoft.com/office/drawing/2014/main" id="{E3E9BA62-0FE7-7A8A-1909-60C54DB2E5C8}"/>
-              </a:ext>
-            </a:extLst>
-          </p:cNvPr>
-          <p:cNvPicPr>
-            <a:picLocks noChangeAspect="1"/>
-          </p:cNvPicPr>
-          <p:nvPr/>
-        </p:nvPicPr>
-        <p:blipFill>
-          <a:blip r:embed="rId3"/>
-          <a:stretch>
-            <a:fillRect/>
-          </a:stretch>
-        </p:blipFill>
-        <p:spPr>
-          <a:xfrm>
-            <a:off x="2444222" y="2628151"/>
-            <a:ext cx="7303546" cy="646331"/>
-          </a:xfrm>
-          <a:prstGeom prst="rect">
-            <a:avLst/>
-          </a:prstGeom>
-        </p:spPr>
-      </p:pic>
-      <p:sp>
-        <p:nvSpPr>
-          <p:cNvPr id="14" name="TextBox 13">
-            <a:extLst>
-              <a:ext uri="{FF2B5EF4-FFF2-40B4-BE49-F238E27FC236}">
-                <a16:creationId xmlns:a16="http://schemas.microsoft.com/office/drawing/2014/main" id="{4B82104E-9EA0-966C-F0B2-12FCE0DB66C2}"/>
-              </a:ext>
-            </a:extLst>
-          </p:cNvPr>
-          <p:cNvSpPr txBox="1"/>
-          <p:nvPr/>
-        </p:nvSpPr>
-        <p:spPr>
-          <a:xfrm>
-            <a:off x="1869230" y="3825255"/>
-            <a:ext cx="825034" cy="369332"/>
-          </a:xfrm>
-          <a:prstGeom prst="rect">
-            <a:avLst/>
-          </a:prstGeom>
-          <a:noFill/>
-        </p:spPr>
-        <p:txBody>
           <a:bodyPr wrap="none" rtlCol="0">
             <a:spAutoFit/>
           </a:bodyPr>
@@ -4164,11 +4004,6 @@
         </p:txBody>
       </p:sp>
     </p:spTree>
-    <p:extLst>
-      <p:ext uri="{BB962C8B-B14F-4D97-AF65-F5344CB8AC3E}">
-        <p14:creationId xmlns:p14="http://schemas.microsoft.com/office/powerpoint/2010/main" val="362559202"/>
-      </p:ext>
-    </p:extLst>
   </p:cSld>
   <p:clrMapOvr>
     <a:masterClrMapping/>
@@ -4195,13 +4030,7 @@
       </p:grpSpPr>
       <p:sp>
         <p:nvSpPr>
-          <p:cNvPr id="4" name="Rectangle 3">
-            <a:extLst>
-              <a:ext uri="{FF2B5EF4-FFF2-40B4-BE49-F238E27FC236}">
-                <a16:creationId xmlns:a16="http://schemas.microsoft.com/office/drawing/2014/main" id="{DD7B960C-F6E1-AE45-98A6-122DB2A97B5B}"/>
-              </a:ext>
-            </a:extLst>
-          </p:cNvPr>
+          <p:cNvPr id="4" name="Rectangle 3"/>
           <p:cNvSpPr/>
           <p:nvPr/>
         </p:nvSpPr>
@@ -4246,13 +4075,7 @@
       </p:sp>
       <p:sp>
         <p:nvSpPr>
-          <p:cNvPr id="6" name="Title 1">
-            <a:extLst>
-              <a:ext uri="{FF2B5EF4-FFF2-40B4-BE49-F238E27FC236}">
-                <a16:creationId xmlns:a16="http://schemas.microsoft.com/office/drawing/2014/main" id="{C526CBCB-8ADA-0E48-96D7-11EEE40222DD}"/>
-              </a:ext>
-            </a:extLst>
-          </p:cNvPr>
+          <p:cNvPr id="6" name="Title 1"/>
           <p:cNvSpPr>
             <a:spLocks noGrp="1"/>
           </p:cNvSpPr>
@@ -4282,25 +4105,26 @@
               </a:rPr>
               <a:t>EDA: Hypothesis 3 – Yearly Average Prices Per KM</a:t>
             </a:r>
+            <a:endParaRPr lang="en-US" sz="3500" b="1" dirty="0">
+              <a:solidFill>
+                <a:schemeClr val="accent2"/>
+              </a:solidFill>
+              <a:latin typeface="Calibri" panose="020F0502020204030204" pitchFamily="34" charset="0"/>
+              <a:cs typeface="Calibri" panose="020F0502020204030204" pitchFamily="34" charset="0"/>
+            </a:endParaRPr>
           </a:p>
         </p:txBody>
       </p:sp>
       <p:pic>
         <p:nvPicPr>
-          <p:cNvPr id="3" name="Picture 2">
-            <a:extLst>
-              <a:ext uri="{FF2B5EF4-FFF2-40B4-BE49-F238E27FC236}">
-                <a16:creationId xmlns:a16="http://schemas.microsoft.com/office/drawing/2014/main" id="{3B07DF4C-BC7E-EA71-E7A8-2DD7655BDC06}"/>
-              </a:ext>
-            </a:extLst>
-          </p:cNvPr>
+          <p:cNvPr id="3" name="Picture 2"/>
           <p:cNvPicPr>
             <a:picLocks noChangeAspect="1"/>
           </p:cNvPicPr>
           <p:nvPr/>
         </p:nvPicPr>
         <p:blipFill>
-          <a:blip r:embed="rId2"/>
+          <a:blip r:embed="rId1"/>
           <a:stretch>
             <a:fillRect/>
           </a:stretch>
@@ -4317,13 +4141,7 @@
       </p:pic>
       <p:sp>
         <p:nvSpPr>
-          <p:cNvPr id="5" name="TextBox 4">
-            <a:extLst>
-              <a:ext uri="{FF2B5EF4-FFF2-40B4-BE49-F238E27FC236}">
-                <a16:creationId xmlns:a16="http://schemas.microsoft.com/office/drawing/2014/main" id="{3C55F29F-DD3F-BE65-5B04-2934A4FF62DD}"/>
-              </a:ext>
-            </a:extLst>
-          </p:cNvPr>
+          <p:cNvPr id="5" name="TextBox 4"/>
           <p:cNvSpPr txBox="1"/>
           <p:nvPr/>
         </p:nvSpPr>
@@ -4351,6 +4169,7 @@
               <a:rPr lang="en-US" altLang="zh-CN" dirty="0"/>
               <a:t>For each company, the average of prices per KM during each year is calculated and compared.</a:t>
             </a:r>
+            <a:endParaRPr lang="en-US" altLang="zh-CN" dirty="0"/>
           </a:p>
           <a:p>
             <a:pPr marL="285750" indent="-285750">
@@ -4373,11 +4192,6 @@
         </p:txBody>
       </p:sp>
     </p:spTree>
-    <p:extLst>
-      <p:ext uri="{BB962C8B-B14F-4D97-AF65-F5344CB8AC3E}">
-        <p14:creationId xmlns:p14="http://schemas.microsoft.com/office/powerpoint/2010/main" val="3877475217"/>
-      </p:ext>
-    </p:extLst>
   </p:cSld>
   <p:clrMapOvr>
     <a:masterClrMapping/>
@@ -4404,13 +4218,7 @@
       </p:grpSpPr>
       <p:sp>
         <p:nvSpPr>
-          <p:cNvPr id="4" name="Rectangle 3">
-            <a:extLst>
-              <a:ext uri="{FF2B5EF4-FFF2-40B4-BE49-F238E27FC236}">
-                <a16:creationId xmlns:a16="http://schemas.microsoft.com/office/drawing/2014/main" id="{DD7B960C-F6E1-AE45-98A6-122DB2A97B5B}"/>
-              </a:ext>
-            </a:extLst>
-          </p:cNvPr>
+          <p:cNvPr id="4" name="Rectangle 3"/>
           <p:cNvSpPr/>
           <p:nvPr/>
         </p:nvSpPr>
@@ -4455,13 +4263,7 @@
       </p:sp>
       <p:sp>
         <p:nvSpPr>
-          <p:cNvPr id="6" name="Title 1">
-            <a:extLst>
-              <a:ext uri="{FF2B5EF4-FFF2-40B4-BE49-F238E27FC236}">
-                <a16:creationId xmlns:a16="http://schemas.microsoft.com/office/drawing/2014/main" id="{C526CBCB-8ADA-0E48-96D7-11EEE40222DD}"/>
-              </a:ext>
-            </a:extLst>
-          </p:cNvPr>
+          <p:cNvPr id="6" name="Title 1"/>
           <p:cNvSpPr>
             <a:spLocks noGrp="1"/>
           </p:cNvSpPr>
@@ -4503,20 +4305,14 @@
       </p:sp>
       <p:pic>
         <p:nvPicPr>
-          <p:cNvPr id="3" name="Picture 2">
-            <a:extLst>
-              <a:ext uri="{FF2B5EF4-FFF2-40B4-BE49-F238E27FC236}">
-                <a16:creationId xmlns:a16="http://schemas.microsoft.com/office/drawing/2014/main" id="{AB6D134E-8293-1FEE-A638-0A5C27053F5B}"/>
-              </a:ext>
-            </a:extLst>
-          </p:cNvPr>
+          <p:cNvPr id="3" name="Picture 2"/>
           <p:cNvPicPr>
             <a:picLocks noChangeAspect="1"/>
           </p:cNvPicPr>
           <p:nvPr/>
         </p:nvPicPr>
         <p:blipFill>
-          <a:blip r:embed="rId2"/>
+          <a:blip r:embed="rId1"/>
           <a:stretch>
             <a:fillRect/>
           </a:stretch>
@@ -4533,13 +4329,7 @@
       </p:pic>
       <p:sp>
         <p:nvSpPr>
-          <p:cNvPr id="7" name="TextBox 6">
-            <a:extLst>
-              <a:ext uri="{FF2B5EF4-FFF2-40B4-BE49-F238E27FC236}">
-                <a16:creationId xmlns:a16="http://schemas.microsoft.com/office/drawing/2014/main" id="{A17BDF4A-0AA9-4240-9089-0617DE03A129}"/>
-              </a:ext>
-            </a:extLst>
-          </p:cNvPr>
+          <p:cNvPr id="7" name="TextBox 6"/>
           <p:cNvSpPr txBox="1"/>
           <p:nvPr/>
         </p:nvSpPr>
@@ -4567,6 +4357,7 @@
               <a:rPr lang="en-US" altLang="zh-CN" dirty="0"/>
               <a:t>For each company, the average of prices per KM during each year is calculated and compared.</a:t>
             </a:r>
+            <a:endParaRPr lang="en-US" altLang="zh-CN" dirty="0"/>
           </a:p>
           <a:p>
             <a:pPr marL="285750" indent="-285750">
@@ -4589,11 +4380,6 @@
         </p:txBody>
       </p:sp>
     </p:spTree>
-    <p:extLst>
-      <p:ext uri="{BB962C8B-B14F-4D97-AF65-F5344CB8AC3E}">
-        <p14:creationId xmlns:p14="http://schemas.microsoft.com/office/powerpoint/2010/main" val="3978858742"/>
-      </p:ext>
-    </p:extLst>
   </p:cSld>
   <p:clrMapOvr>
     <a:masterClrMapping/>
@@ -4620,13 +4406,7 @@
       </p:grpSpPr>
       <p:sp>
         <p:nvSpPr>
-          <p:cNvPr id="4" name="Rectangle 3">
-            <a:extLst>
-              <a:ext uri="{FF2B5EF4-FFF2-40B4-BE49-F238E27FC236}">
-                <a16:creationId xmlns:a16="http://schemas.microsoft.com/office/drawing/2014/main" id="{DD7B960C-F6E1-AE45-98A6-122DB2A97B5B}"/>
-              </a:ext>
-            </a:extLst>
-          </p:cNvPr>
+          <p:cNvPr id="4" name="Rectangle 3"/>
           <p:cNvSpPr/>
           <p:nvPr/>
         </p:nvSpPr>
@@ -4671,13 +4451,7 @@
       </p:sp>
       <p:sp>
         <p:nvSpPr>
-          <p:cNvPr id="6" name="Title 1">
-            <a:extLst>
-              <a:ext uri="{FF2B5EF4-FFF2-40B4-BE49-F238E27FC236}">
-                <a16:creationId xmlns:a16="http://schemas.microsoft.com/office/drawing/2014/main" id="{C526CBCB-8ADA-0E48-96D7-11EEE40222DD}"/>
-              </a:ext>
-            </a:extLst>
-          </p:cNvPr>
+          <p:cNvPr id="6" name="Title 1"/>
           <p:cNvSpPr>
             <a:spLocks noGrp="1"/>
           </p:cNvSpPr>
@@ -4719,20 +4493,14 @@
       </p:sp>
       <p:pic>
         <p:nvPicPr>
-          <p:cNvPr id="5" name="Picture 4">
-            <a:extLst>
-              <a:ext uri="{FF2B5EF4-FFF2-40B4-BE49-F238E27FC236}">
-                <a16:creationId xmlns:a16="http://schemas.microsoft.com/office/drawing/2014/main" id="{372782C1-6C6C-EFA6-B990-89E9FB662B49}"/>
-              </a:ext>
-            </a:extLst>
-          </p:cNvPr>
+          <p:cNvPr id="5" name="Picture 4"/>
           <p:cNvPicPr>
             <a:picLocks noChangeAspect="1"/>
           </p:cNvPicPr>
           <p:nvPr/>
         </p:nvPicPr>
         <p:blipFill>
-          <a:blip r:embed="rId2"/>
+          <a:blip r:embed="rId1"/>
           <a:stretch>
             <a:fillRect/>
           </a:stretch>
@@ -4749,13 +4517,7 @@
       </p:pic>
       <p:sp>
         <p:nvSpPr>
-          <p:cNvPr id="9" name="TextBox 8">
-            <a:extLst>
-              <a:ext uri="{FF2B5EF4-FFF2-40B4-BE49-F238E27FC236}">
-                <a16:creationId xmlns:a16="http://schemas.microsoft.com/office/drawing/2014/main" id="{2972FAE0-1DFB-05FC-37C2-7FC7C3F6464D}"/>
-              </a:ext>
-            </a:extLst>
-          </p:cNvPr>
+          <p:cNvPr id="9" name="TextBox 8"/>
           <p:cNvSpPr txBox="1"/>
           <p:nvPr/>
         </p:nvSpPr>
@@ -4788,11 +4550,6 @@
         </p:txBody>
       </p:sp>
     </p:spTree>
-    <p:extLst>
-      <p:ext uri="{BB962C8B-B14F-4D97-AF65-F5344CB8AC3E}">
-        <p14:creationId xmlns:p14="http://schemas.microsoft.com/office/powerpoint/2010/main" val="2723360851"/>
-      </p:ext>
-    </p:extLst>
   </p:cSld>
   <p:clrMapOvr>
     <a:masterClrMapping/>
@@ -4819,13 +4576,7 @@
       </p:grpSpPr>
       <p:sp>
         <p:nvSpPr>
-          <p:cNvPr id="4" name="Rectangle 3">
-            <a:extLst>
-              <a:ext uri="{FF2B5EF4-FFF2-40B4-BE49-F238E27FC236}">
-                <a16:creationId xmlns:a16="http://schemas.microsoft.com/office/drawing/2014/main" id="{DD7B960C-F6E1-AE45-98A6-122DB2A97B5B}"/>
-              </a:ext>
-            </a:extLst>
-          </p:cNvPr>
+          <p:cNvPr id="4" name="Rectangle 3"/>
           <p:cNvSpPr/>
           <p:nvPr/>
         </p:nvSpPr>
@@ -4870,13 +4621,7 @@
       </p:sp>
       <p:sp>
         <p:nvSpPr>
-          <p:cNvPr id="6" name="Title 1">
-            <a:extLst>
-              <a:ext uri="{FF2B5EF4-FFF2-40B4-BE49-F238E27FC236}">
-                <a16:creationId xmlns:a16="http://schemas.microsoft.com/office/drawing/2014/main" id="{C526CBCB-8ADA-0E48-96D7-11EEE40222DD}"/>
-              </a:ext>
-            </a:extLst>
-          </p:cNvPr>
+          <p:cNvPr id="6" name="Title 1"/>
           <p:cNvSpPr>
             <a:spLocks noGrp="1"/>
           </p:cNvSpPr>
@@ -4918,13 +4663,96 @@
       </p:sp>
       <p:pic>
         <p:nvPicPr>
-          <p:cNvPr id="3" name="Picture 2">
-            <a:extLst>
-              <a:ext uri="{FF2B5EF4-FFF2-40B4-BE49-F238E27FC236}">
-                <a16:creationId xmlns:a16="http://schemas.microsoft.com/office/drawing/2014/main" id="{15D07869-22BB-8F09-EDE5-9F67A3107DF0}"/>
-              </a:ext>
-            </a:extLst>
-          </p:cNvPr>
+          <p:cNvPr id="3" name="Picture 2"/>
+          <p:cNvPicPr>
+            <a:picLocks noChangeAspect="1"/>
+          </p:cNvPicPr>
+          <p:nvPr/>
+        </p:nvPicPr>
+        <p:blipFill>
+          <a:blip r:embed="rId1"/>
+          <a:stretch>
+            <a:fillRect/>
+          </a:stretch>
+        </p:blipFill>
+        <p:spPr>
+          <a:xfrm>
+            <a:off x="3608810" y="1417637"/>
+            <a:ext cx="4974378" cy="1345882"/>
+          </a:xfrm>
+          <a:prstGeom prst="rect">
+            <a:avLst/>
+          </a:prstGeom>
+        </p:spPr>
+      </p:pic>
+      <p:sp>
+        <p:nvSpPr>
+          <p:cNvPr id="7" name="TextBox 6"/>
+          <p:cNvSpPr txBox="1"/>
+          <p:nvPr/>
+        </p:nvSpPr>
+        <p:spPr>
+          <a:xfrm>
+            <a:off x="1141443" y="2915387"/>
+            <a:ext cx="9909111" cy="1503617"/>
+          </a:xfrm>
+          <a:prstGeom prst="rect">
+            <a:avLst/>
+          </a:prstGeom>
+          <a:noFill/>
+        </p:spPr>
+        <p:txBody>
+          <a:bodyPr wrap="square">
+            <a:spAutoFit/>
+          </a:bodyPr>
+          <a:lstStyle/>
+          <a:p>
+            <a:pPr marL="285750" indent="-285750">
+              <a:lnSpc>
+                <a:spcPct val="130000"/>
+              </a:lnSpc>
+              <a:buFont typeface="Arial" panose="020B0604020202020204" pitchFamily="34" charset="0"/>
+              <a:buChar char="•"/>
+            </a:pPr>
+            <a:r>
+              <a:rPr lang="en-US" altLang="zh-CN" dirty="0"/>
+              <a:t>There are more orders and further distance travelled in holidays. </a:t>
+            </a:r>
+            <a:endParaRPr lang="en-US" altLang="zh-CN" dirty="0"/>
+          </a:p>
+          <a:p>
+            <a:pPr marL="285750" indent="-285750">
+              <a:lnSpc>
+                <a:spcPct val="130000"/>
+              </a:lnSpc>
+              <a:buFont typeface="Arial" panose="020B0604020202020204" pitchFamily="34" charset="0"/>
+              <a:buChar char="•"/>
+            </a:pPr>
+            <a:r>
+              <a:rPr lang="en-US" altLang="zh-CN" dirty="0"/>
+              <a:t>However, the average distance per order are very close, and the difference is not large enough to prove the hypothesis. </a:t>
+            </a:r>
+            <a:endParaRPr lang="en-US" altLang="zh-CN" dirty="0"/>
+          </a:p>
+          <a:p>
+            <a:pPr marL="285750" indent="-285750">
+              <a:lnSpc>
+                <a:spcPct val="130000"/>
+              </a:lnSpc>
+              <a:buFont typeface="Arial" panose="020B0604020202020204" pitchFamily="34" charset="0"/>
+              <a:buChar char="•"/>
+            </a:pPr>
+            <a:r>
+              <a:rPr lang="en-US" altLang="zh-CN" dirty="0"/>
+              <a:t>To further check this, the correlation between travel distance and holiday was calculated (next page).</a:t>
+            </a:r>
+            <a:endParaRPr lang="zh-CN" altLang="en-US" dirty="0"/>
+          </a:p>
+        </p:txBody>
+      </p:sp>
+      <p:pic>
+        <p:nvPicPr>
+          <p:cNvPr id="8" name="Picture 7"/>
           <p:cNvPicPr>
             <a:picLocks noChangeAspect="1"/>
           </p:cNvPicPr>
@@ -4938,8 +4766,8 @@
         </p:blipFill>
         <p:spPr>
           <a:xfrm>
-            <a:off x="3608810" y="1417637"/>
-            <a:ext cx="4974378" cy="1345882"/>
+            <a:off x="4370680" y="4570872"/>
+            <a:ext cx="3450635" cy="1322947"/>
           </a:xfrm>
           <a:prstGeom prst="rect">
             <a:avLst/>
@@ -4948,20 +4776,14 @@
       </p:pic>
       <p:sp>
         <p:nvSpPr>
-          <p:cNvPr id="7" name="TextBox 6">
-            <a:extLst>
-              <a:ext uri="{FF2B5EF4-FFF2-40B4-BE49-F238E27FC236}">
-                <a16:creationId xmlns:a16="http://schemas.microsoft.com/office/drawing/2014/main" id="{92F4F05A-F808-B063-B32C-926493AAE3B6}"/>
-              </a:ext>
-            </a:extLst>
-          </p:cNvPr>
+          <p:cNvPr id="10" name="TextBox 9"/>
           <p:cNvSpPr txBox="1"/>
           <p:nvPr/>
         </p:nvSpPr>
         <p:spPr>
           <a:xfrm>
-            <a:off x="1141443" y="2915387"/>
-            <a:ext cx="9909111" cy="1503617"/>
+            <a:off x="1141441" y="6045687"/>
+            <a:ext cx="9909111" cy="369332"/>
           </a:xfrm>
           <a:prstGeom prst="rect">
             <a:avLst/>
@@ -4975,122 +4797,18 @@
           <a:lstStyle/>
           <a:p>
             <a:pPr marL="285750" indent="-285750">
-              <a:lnSpc>
-                <a:spcPct val="130000"/>
-              </a:lnSpc>
               <a:buFont typeface="Arial" panose="020B0604020202020204" pitchFamily="34" charset="0"/>
               <a:buChar char="•"/>
             </a:pPr>
             <a:r>
               <a:rPr lang="en-US" altLang="zh-CN" dirty="0"/>
-              <a:t>There are more orders and further distance travelled in holidays. </a:t>
-            </a:r>
-          </a:p>
-          <a:p>
-            <a:pPr marL="285750" indent="-285750">
-              <a:lnSpc>
-                <a:spcPct val="130000"/>
-              </a:lnSpc>
-              <a:buFont typeface="Arial" panose="020B0604020202020204" pitchFamily="34" charset="0"/>
-              <a:buChar char="•"/>
-            </a:pPr>
-            <a:r>
-              <a:rPr lang="en-US" altLang="zh-CN" dirty="0"/>
-              <a:t>However, the average distance per order are very close, and the difference is not large enough to prove the hypothesis. </a:t>
-            </a:r>
-          </a:p>
-          <a:p>
-            <a:pPr marL="285750" indent="-285750">
-              <a:lnSpc>
-                <a:spcPct val="130000"/>
-              </a:lnSpc>
-              <a:buFont typeface="Arial" panose="020B0604020202020204" pitchFamily="34" charset="0"/>
-              <a:buChar char="•"/>
-            </a:pPr>
-            <a:r>
-              <a:rPr lang="en-US" altLang="zh-CN" dirty="0"/>
-              <a:t>To further check this, the correlation between travel distance and holiday was calculated (next page).</a:t>
+              <a:t>The two variables are positively weakly correlated, which seems like a good support of the hypothesis.</a:t>
             </a:r>
             <a:endParaRPr lang="zh-CN" altLang="en-US" dirty="0"/>
           </a:p>
         </p:txBody>
       </p:sp>
-      <p:pic>
-        <p:nvPicPr>
-          <p:cNvPr id="8" name="Picture 7">
-            <a:extLst>
-              <a:ext uri="{FF2B5EF4-FFF2-40B4-BE49-F238E27FC236}">
-                <a16:creationId xmlns:a16="http://schemas.microsoft.com/office/drawing/2014/main" id="{8FE05549-D7E7-5457-3AE3-E586FB31ED76}"/>
-              </a:ext>
-            </a:extLst>
-          </p:cNvPr>
-          <p:cNvPicPr>
-            <a:picLocks noChangeAspect="1"/>
-          </p:cNvPicPr>
-          <p:nvPr/>
-        </p:nvPicPr>
-        <p:blipFill>
-          <a:blip r:embed="rId3"/>
-          <a:stretch>
-            <a:fillRect/>
-          </a:stretch>
-        </p:blipFill>
-        <p:spPr>
-          <a:xfrm>
-            <a:off x="4370680" y="4570872"/>
-            <a:ext cx="3450635" cy="1322947"/>
-          </a:xfrm>
-          <a:prstGeom prst="rect">
-            <a:avLst/>
-          </a:prstGeom>
-        </p:spPr>
-      </p:pic>
-      <p:sp>
-        <p:nvSpPr>
-          <p:cNvPr id="10" name="TextBox 9">
-            <a:extLst>
-              <a:ext uri="{FF2B5EF4-FFF2-40B4-BE49-F238E27FC236}">
-                <a16:creationId xmlns:a16="http://schemas.microsoft.com/office/drawing/2014/main" id="{E16B57BC-2937-208E-3D1B-94DE6191FFD1}"/>
-              </a:ext>
-            </a:extLst>
-          </p:cNvPr>
-          <p:cNvSpPr txBox="1"/>
-          <p:nvPr/>
-        </p:nvSpPr>
-        <p:spPr>
-          <a:xfrm>
-            <a:off x="1141441" y="6045687"/>
-            <a:ext cx="9909111" cy="369332"/>
-          </a:xfrm>
-          <a:prstGeom prst="rect">
-            <a:avLst/>
-          </a:prstGeom>
-          <a:noFill/>
-        </p:spPr>
-        <p:txBody>
-          <a:bodyPr wrap="square">
-            <a:spAutoFit/>
-          </a:bodyPr>
-          <a:lstStyle/>
-          <a:p>
-            <a:pPr marL="285750" indent="-285750">
-              <a:buFont typeface="Arial" panose="020B0604020202020204" pitchFamily="34" charset="0"/>
-              <a:buChar char="•"/>
-            </a:pPr>
-            <a:r>
-              <a:rPr lang="en-US" altLang="zh-CN" dirty="0"/>
-              <a:t>The two variables are positively weakly correlated, which seems like a good support of the hypothesis.</a:t>
-            </a:r>
-            <a:endParaRPr lang="zh-CN" altLang="en-US" dirty="0"/>
-          </a:p>
-        </p:txBody>
-      </p:sp>
     </p:spTree>
-    <p:extLst>
-      <p:ext uri="{BB962C8B-B14F-4D97-AF65-F5344CB8AC3E}">
-        <p14:creationId xmlns:p14="http://schemas.microsoft.com/office/powerpoint/2010/main" val="3299012155"/>
-      </p:ext>
-    </p:extLst>
   </p:cSld>
   <p:clrMapOvr>
     <a:masterClrMapping/>
@@ -5117,13 +4835,7 @@
       </p:grpSpPr>
       <p:sp>
         <p:nvSpPr>
-          <p:cNvPr id="4" name="Rectangle 3">
-            <a:extLst>
-              <a:ext uri="{FF2B5EF4-FFF2-40B4-BE49-F238E27FC236}">
-                <a16:creationId xmlns:a16="http://schemas.microsoft.com/office/drawing/2014/main" id="{DD7B960C-F6E1-AE45-98A6-122DB2A97B5B}"/>
-              </a:ext>
-            </a:extLst>
-          </p:cNvPr>
+          <p:cNvPr id="4" name="Rectangle 3"/>
           <p:cNvSpPr/>
           <p:nvPr/>
         </p:nvSpPr>
@@ -5168,13 +4880,7 @@
       </p:sp>
       <p:sp>
         <p:nvSpPr>
-          <p:cNvPr id="6" name="Title 1">
-            <a:extLst>
-              <a:ext uri="{FF2B5EF4-FFF2-40B4-BE49-F238E27FC236}">
-                <a16:creationId xmlns:a16="http://schemas.microsoft.com/office/drawing/2014/main" id="{C526CBCB-8ADA-0E48-96D7-11EEE40222DD}"/>
-              </a:ext>
-            </a:extLst>
-          </p:cNvPr>
+          <p:cNvPr id="6" name="Title 1"/>
           <p:cNvSpPr>
             <a:spLocks noGrp="1"/>
           </p:cNvSpPr>
@@ -5216,20 +4922,14 @@
       </p:sp>
       <p:pic>
         <p:nvPicPr>
-          <p:cNvPr id="7" name="Picture 6">
-            <a:extLst>
-              <a:ext uri="{FF2B5EF4-FFF2-40B4-BE49-F238E27FC236}">
-                <a16:creationId xmlns:a16="http://schemas.microsoft.com/office/drawing/2014/main" id="{646DDE6C-C982-8255-1939-7E5AFDE970CF}"/>
-              </a:ext>
-            </a:extLst>
-          </p:cNvPr>
+          <p:cNvPr id="7" name="Picture 6"/>
           <p:cNvPicPr>
             <a:picLocks noChangeAspect="1"/>
           </p:cNvPicPr>
           <p:nvPr/>
         </p:nvPicPr>
         <p:blipFill>
-          <a:blip r:embed="rId2"/>
+          <a:blip r:embed="rId1"/>
           <a:stretch>
             <a:fillRect/>
           </a:stretch>
@@ -5245,11 +4945,6 @@
         </p:spPr>
       </p:pic>
     </p:spTree>
-    <p:extLst>
-      <p:ext uri="{BB962C8B-B14F-4D97-AF65-F5344CB8AC3E}">
-        <p14:creationId xmlns:p14="http://schemas.microsoft.com/office/powerpoint/2010/main" val="2121078675"/>
-      </p:ext>
-    </p:extLst>
   </p:cSld>
   <p:clrMapOvr>
     <a:masterClrMapping/>
@@ -5276,13 +4971,7 @@
       </p:grpSpPr>
       <p:sp>
         <p:nvSpPr>
-          <p:cNvPr id="4" name="Rectangle 3">
-            <a:extLst>
-              <a:ext uri="{FF2B5EF4-FFF2-40B4-BE49-F238E27FC236}">
-                <a16:creationId xmlns:a16="http://schemas.microsoft.com/office/drawing/2014/main" id="{DD7B960C-F6E1-AE45-98A6-122DB2A97B5B}"/>
-              </a:ext>
-            </a:extLst>
-          </p:cNvPr>
+          <p:cNvPr id="4" name="Rectangle 3"/>
           <p:cNvSpPr/>
           <p:nvPr/>
         </p:nvSpPr>
@@ -5327,13 +5016,7 @@
       </p:sp>
       <p:sp>
         <p:nvSpPr>
-          <p:cNvPr id="6" name="Title 1">
-            <a:extLst>
-              <a:ext uri="{FF2B5EF4-FFF2-40B4-BE49-F238E27FC236}">
-                <a16:creationId xmlns:a16="http://schemas.microsoft.com/office/drawing/2014/main" id="{C526CBCB-8ADA-0E48-96D7-11EEE40222DD}"/>
-              </a:ext>
-            </a:extLst>
-          </p:cNvPr>
+          <p:cNvPr id="6" name="Title 1"/>
           <p:cNvSpPr>
             <a:spLocks noGrp="1"/>
           </p:cNvSpPr>
@@ -5375,20 +5058,14 @@
       </p:sp>
       <p:pic>
         <p:nvPicPr>
-          <p:cNvPr id="3" name="Picture 2">
-            <a:extLst>
-              <a:ext uri="{FF2B5EF4-FFF2-40B4-BE49-F238E27FC236}">
-                <a16:creationId xmlns:a16="http://schemas.microsoft.com/office/drawing/2014/main" id="{02475348-EF9C-8387-E250-09AA16AC0B09}"/>
-              </a:ext>
-            </a:extLst>
-          </p:cNvPr>
+          <p:cNvPr id="3" name="Picture 2"/>
           <p:cNvPicPr>
             <a:picLocks noChangeAspect="1"/>
           </p:cNvPicPr>
           <p:nvPr/>
         </p:nvPicPr>
         <p:blipFill>
-          <a:blip r:embed="rId2"/>
+          <a:blip r:embed="rId1"/>
           <a:stretch>
             <a:fillRect/>
           </a:stretch>
@@ -5405,13 +5082,7 @@
       </p:pic>
       <p:sp>
         <p:nvSpPr>
-          <p:cNvPr id="8" name="TextBox 7">
-            <a:extLst>
-              <a:ext uri="{FF2B5EF4-FFF2-40B4-BE49-F238E27FC236}">
-                <a16:creationId xmlns:a16="http://schemas.microsoft.com/office/drawing/2014/main" id="{5E782A97-7FA7-6351-7BAF-D90D9ED5F879}"/>
-              </a:ext>
-            </a:extLst>
-          </p:cNvPr>
+          <p:cNvPr id="8" name="TextBox 7"/>
           <p:cNvSpPr txBox="1"/>
           <p:nvPr/>
         </p:nvSpPr>
@@ -5439,6 +5110,7 @@
               <a:rPr lang="en-US" altLang="zh-CN" dirty="0"/>
               <a:t>The number of users are significantly positively related to average price. </a:t>
             </a:r>
+            <a:endParaRPr lang="en-US" altLang="zh-CN" dirty="0"/>
           </a:p>
           <a:p>
             <a:pPr marL="285750" indent="-285750">
@@ -5456,6 +5128,7 @@
               <a:rPr lang="en-US" altLang="zh-CN" dirty="0"/>
               <a:t>Average income is weakly positively related to average price.</a:t>
             </a:r>
+            <a:endParaRPr lang="en-US" altLang="zh-CN" dirty="0"/>
           </a:p>
           <a:p>
             <a:pPr marL="285750" indent="-285750">
@@ -5478,11 +5151,6 @@
         </p:txBody>
       </p:sp>
     </p:spTree>
-    <p:extLst>
-      <p:ext uri="{BB962C8B-B14F-4D97-AF65-F5344CB8AC3E}">
-        <p14:creationId xmlns:p14="http://schemas.microsoft.com/office/powerpoint/2010/main" val="1860254246"/>
-      </p:ext>
-    </p:extLst>
   </p:cSld>
   <p:clrMapOvr>
     <a:masterClrMapping/>
@@ -5509,13 +5177,7 @@
       </p:grpSpPr>
       <p:sp>
         <p:nvSpPr>
-          <p:cNvPr id="2" name="Title 1">
-            <a:extLst>
-              <a:ext uri="{FF2B5EF4-FFF2-40B4-BE49-F238E27FC236}">
-                <a16:creationId xmlns:a16="http://schemas.microsoft.com/office/drawing/2014/main" id="{E8B8F26E-9345-4747-9094-972E38700A17}"/>
-              </a:ext>
-            </a:extLst>
-          </p:cNvPr>
+          <p:cNvPr id="2" name="Title 1"/>
           <p:cNvSpPr>
             <a:spLocks noGrp="1"/>
           </p:cNvSpPr>
@@ -5553,18 +5215,17 @@
               </a:rPr>
               <a:t>Agenda</a:t>
             </a:r>
-          </a:p>
-        </p:txBody>
-      </p:sp>
-      <p:sp>
-        <p:nvSpPr>
-          <p:cNvPr id="3" name="Subtitle 2">
-            <a:extLst>
-              <a:ext uri="{FF2B5EF4-FFF2-40B4-BE49-F238E27FC236}">
-                <a16:creationId xmlns:a16="http://schemas.microsoft.com/office/drawing/2014/main" id="{60B3D5A6-E766-7C41-BD00-B22DA4727FBA}"/>
-              </a:ext>
-            </a:extLst>
-          </p:cNvPr>
+            <a:endParaRPr lang="en-US" b="1" dirty="0">
+              <a:solidFill>
+                <a:srgbClr val="FF6600"/>
+              </a:solidFill>
+            </a:endParaRPr>
+          </a:p>
+        </p:txBody>
+      </p:sp>
+      <p:sp>
+        <p:nvSpPr>
+          <p:cNvPr id="3" name="Subtitle 2"/>
           <p:cNvSpPr>
             <a:spLocks noGrp="1"/>
           </p:cNvSpPr>
@@ -5600,6 +5261,11 @@
               </a:rPr>
               <a:t>   </a:t>
             </a:r>
+            <a:endParaRPr lang="en-US" dirty="0">
+              <a:solidFill>
+                <a:srgbClr val="FF6600"/>
+              </a:solidFill>
+            </a:endParaRPr>
           </a:p>
           <a:p>
             <a:pPr algn="just"/>
@@ -5611,6 +5277,11 @@
               </a:rPr>
               <a:t>         </a:t>
             </a:r>
+            <a:endParaRPr lang="en-US" sz="2800" dirty="0">
+              <a:solidFill>
+                <a:srgbClr val="FF6600"/>
+              </a:solidFill>
+            </a:endParaRPr>
           </a:p>
           <a:p>
             <a:pPr algn="just"/>
@@ -5622,6 +5293,11 @@
               </a:rPr>
               <a:t>         </a:t>
             </a:r>
+            <a:endParaRPr lang="en-US" sz="2800" dirty="0">
+              <a:solidFill>
+                <a:srgbClr val="FF6600"/>
+              </a:solidFill>
+            </a:endParaRPr>
           </a:p>
           <a:p>
             <a:pPr algn="just"/>
@@ -5633,6 +5309,11 @@
               </a:rPr>
               <a:t>         Problem Statement</a:t>
             </a:r>
+            <a:endParaRPr lang="en-US" sz="2800" dirty="0">
+              <a:solidFill>
+                <a:srgbClr val="FF6600"/>
+              </a:solidFill>
+            </a:endParaRPr>
           </a:p>
           <a:p>
             <a:pPr algn="just"/>
@@ -5644,6 +5325,11 @@
               </a:rPr>
               <a:t>         Approach</a:t>
             </a:r>
+            <a:endParaRPr lang="en-US" sz="2800" dirty="0">
+              <a:solidFill>
+                <a:srgbClr val="FF6600"/>
+              </a:solidFill>
+            </a:endParaRPr>
           </a:p>
           <a:p>
             <a:pPr algn="just"/>
@@ -5655,6 +5341,11 @@
               </a:rPr>
               <a:t>         EDA</a:t>
             </a:r>
+            <a:endParaRPr lang="en-US" sz="2800" dirty="0">
+              <a:solidFill>
+                <a:srgbClr val="FF6600"/>
+              </a:solidFill>
+            </a:endParaRPr>
           </a:p>
           <a:p>
             <a:pPr algn="just"/>
@@ -5666,6 +5357,11 @@
               </a:rPr>
               <a:t>         EDA Summary</a:t>
             </a:r>
+            <a:endParaRPr lang="en-US" sz="2800" dirty="0">
+              <a:solidFill>
+                <a:srgbClr val="FF6600"/>
+              </a:solidFill>
+            </a:endParaRPr>
           </a:p>
           <a:p>
             <a:pPr algn="just"/>
@@ -5677,6 +5373,11 @@
               </a:rPr>
               <a:t>         Recommendations</a:t>
             </a:r>
+            <a:endParaRPr lang="en-US" sz="2800" dirty="0">
+              <a:solidFill>
+                <a:srgbClr val="FF6600"/>
+              </a:solidFill>
+            </a:endParaRPr>
           </a:p>
           <a:p>
             <a:endParaRPr lang="en-US" sz="3200" dirty="0">
@@ -5702,11 +5403,6 @@
         </p:txBody>
       </p:sp>
     </p:spTree>
-    <p:extLst>
-      <p:ext uri="{BB962C8B-B14F-4D97-AF65-F5344CB8AC3E}">
-        <p14:creationId xmlns:p14="http://schemas.microsoft.com/office/powerpoint/2010/main" val="4047255108"/>
-      </p:ext>
-    </p:extLst>
   </p:cSld>
   <p:clrMapOvr>
     <a:masterClrMapping/>
@@ -5733,13 +5429,7 @@
       </p:grpSpPr>
       <p:sp>
         <p:nvSpPr>
-          <p:cNvPr id="4" name="Rectangle 3">
-            <a:extLst>
-              <a:ext uri="{FF2B5EF4-FFF2-40B4-BE49-F238E27FC236}">
-                <a16:creationId xmlns:a16="http://schemas.microsoft.com/office/drawing/2014/main" id="{DD7B960C-F6E1-AE45-98A6-122DB2A97B5B}"/>
-              </a:ext>
-            </a:extLst>
-          </p:cNvPr>
+          <p:cNvPr id="4" name="Rectangle 3"/>
           <p:cNvSpPr/>
           <p:nvPr/>
         </p:nvSpPr>
@@ -5784,13 +5474,7 @@
       </p:sp>
       <p:sp>
         <p:nvSpPr>
-          <p:cNvPr id="6" name="Title 1">
-            <a:extLst>
-              <a:ext uri="{FF2B5EF4-FFF2-40B4-BE49-F238E27FC236}">
-                <a16:creationId xmlns:a16="http://schemas.microsoft.com/office/drawing/2014/main" id="{C526CBCB-8ADA-0E48-96D7-11EEE40222DD}"/>
-              </a:ext>
-            </a:extLst>
-          </p:cNvPr>
+          <p:cNvPr id="6" name="Title 1"/>
           <p:cNvSpPr>
             <a:spLocks noGrp="1"/>
           </p:cNvSpPr>
@@ -5832,13 +5516,7 @@
       </p:sp>
       <p:sp>
         <p:nvSpPr>
-          <p:cNvPr id="5" name="Content Placeholder 2">
-            <a:extLst>
-              <a:ext uri="{FF2B5EF4-FFF2-40B4-BE49-F238E27FC236}">
-                <a16:creationId xmlns:a16="http://schemas.microsoft.com/office/drawing/2014/main" id="{295D3021-A9CC-D004-C4C0-E4EDDC75048C}"/>
-              </a:ext>
-            </a:extLst>
-          </p:cNvPr>
+          <p:cNvPr id="5" name="Content Placeholder 2"/>
           <p:cNvSpPr>
             <a:spLocks noGrp="1"/>
           </p:cNvSpPr>
@@ -5873,6 +5551,7 @@
               <a:rPr lang="en-US" sz="1800" dirty="0"/>
               <a:t>Customer's age is related to the number of customers, but not related to average times of taking taxis.</a:t>
             </a:r>
+            <a:endParaRPr lang="en-US" sz="1800" dirty="0"/>
           </a:p>
           <a:p>
             <a:pPr lvl="1">
@@ -5884,6 +5563,7 @@
               <a:rPr lang="en-US" altLang="zh-CN" sz="1800" dirty="0"/>
               <a:t>The more popular cab company(Yellow Cab) is also more efficient in making revenues, and one possible factor is the control of costs.</a:t>
             </a:r>
+            <a:endParaRPr lang="en-US" altLang="zh-CN" sz="1800" dirty="0"/>
           </a:p>
           <a:p>
             <a:pPr lvl="1">
@@ -5895,6 +5575,7 @@
               <a:rPr lang="en-US" altLang="zh-CN" sz="1800" dirty="0"/>
               <a:t>The yearly pattern of the change of price per KM in the two companies are similar, but the monthly pattern in the two companies are likely the opposite.</a:t>
             </a:r>
+            <a:endParaRPr lang="en-US" altLang="zh-CN" sz="1800" dirty="0"/>
           </a:p>
           <a:p>
             <a:pPr lvl="1">
@@ -5906,6 +5587,7 @@
               <a:rPr lang="en-US" altLang="zh-CN" sz="1800" dirty="0"/>
               <a:t>In holidays customers tend to travel further than in normal days.</a:t>
             </a:r>
+            <a:endParaRPr lang="en-US" altLang="zh-CN" sz="1800" dirty="0"/>
           </a:p>
           <a:p>
             <a:pPr lvl="1">
@@ -5917,6 +5599,7 @@
               <a:rPr lang="en-US" altLang="zh-CN" sz="1800" dirty="0"/>
               <a:t>The price of taxis in each city is related to customers' income, and is weakly related to the number of users.</a:t>
             </a:r>
+            <a:endParaRPr lang="en-US" altLang="zh-CN" sz="1800" dirty="0"/>
           </a:p>
           <a:p>
             <a:endParaRPr lang="en-US" sz="1800" dirty="0"/>
@@ -5927,11 +5610,6 @@
         </p:txBody>
       </p:sp>
     </p:spTree>
-    <p:extLst>
-      <p:ext uri="{BB962C8B-B14F-4D97-AF65-F5344CB8AC3E}">
-        <p14:creationId xmlns:p14="http://schemas.microsoft.com/office/powerpoint/2010/main" val="1265692828"/>
-      </p:ext>
-    </p:extLst>
   </p:cSld>
   <p:clrMapOvr>
     <a:masterClrMapping/>
@@ -5958,13 +5636,7 @@
       </p:grpSpPr>
       <p:sp>
         <p:nvSpPr>
-          <p:cNvPr id="4" name="Rectangle 3">
-            <a:extLst>
-              <a:ext uri="{FF2B5EF4-FFF2-40B4-BE49-F238E27FC236}">
-                <a16:creationId xmlns:a16="http://schemas.microsoft.com/office/drawing/2014/main" id="{DD7B960C-F6E1-AE45-98A6-122DB2A97B5B}"/>
-              </a:ext>
-            </a:extLst>
-          </p:cNvPr>
+          <p:cNvPr id="4" name="Rectangle 3"/>
           <p:cNvSpPr/>
           <p:nvPr/>
         </p:nvSpPr>
@@ -6009,13 +5681,7 @@
       </p:sp>
       <p:sp>
         <p:nvSpPr>
-          <p:cNvPr id="6" name="Title 1">
-            <a:extLst>
-              <a:ext uri="{FF2B5EF4-FFF2-40B4-BE49-F238E27FC236}">
-                <a16:creationId xmlns:a16="http://schemas.microsoft.com/office/drawing/2014/main" id="{C526CBCB-8ADA-0E48-96D7-11EEE40222DD}"/>
-              </a:ext>
-            </a:extLst>
-          </p:cNvPr>
+          <p:cNvPr id="6" name="Title 1"/>
           <p:cNvSpPr>
             <a:spLocks noGrp="1"/>
           </p:cNvSpPr>
@@ -6057,13 +5723,7 @@
       </p:sp>
       <p:sp>
         <p:nvSpPr>
-          <p:cNvPr id="5" name="Content Placeholder 2">
-            <a:extLst>
-              <a:ext uri="{FF2B5EF4-FFF2-40B4-BE49-F238E27FC236}">
-                <a16:creationId xmlns:a16="http://schemas.microsoft.com/office/drawing/2014/main" id="{295D3021-A9CC-D004-C4C0-E4EDDC75048C}"/>
-              </a:ext>
-            </a:extLst>
-          </p:cNvPr>
+          <p:cNvPr id="5" name="Content Placeholder 2"/>
           <p:cNvSpPr>
             <a:spLocks noGrp="1"/>
           </p:cNvSpPr>
@@ -6087,6 +5747,7 @@
               <a:rPr lang="en-US" sz="2400" dirty="0"/>
               <a:t>From the analysis, the recommendation of cab company is Yellow Cab Company, based on three main reasons:</a:t>
             </a:r>
+            <a:endParaRPr lang="en-US" sz="2400" dirty="0"/>
           </a:p>
           <a:p>
             <a:endParaRPr lang="en-US" sz="2400" dirty="0"/>
@@ -6097,6 +5758,7 @@
               <a:rPr lang="en-US" sz="2000" dirty="0"/>
               <a:t>More popularity across the country;</a:t>
             </a:r>
+            <a:endParaRPr lang="en-US" sz="2000" dirty="0"/>
           </a:p>
           <a:p>
             <a:pPr lvl="1"/>
@@ -6108,6 +5770,7 @@
               <a:rPr lang="en-US" sz="2000" dirty="0"/>
               <a:t>More revenue from each order;</a:t>
             </a:r>
+            <a:endParaRPr lang="en-US" sz="2000" dirty="0"/>
           </a:p>
           <a:p>
             <a:pPr lvl="1"/>
@@ -6119,6 +5782,7 @@
               <a:rPr lang="en-US" sz="2000" dirty="0"/>
               <a:t>Better control of costs.</a:t>
             </a:r>
+            <a:endParaRPr lang="en-US" sz="2000" dirty="0"/>
           </a:p>
           <a:p>
             <a:endParaRPr lang="en-US" sz="1800" dirty="0"/>
@@ -6126,11 +5790,6 @@
         </p:txBody>
       </p:sp>
     </p:spTree>
-    <p:extLst>
-      <p:ext uri="{BB962C8B-B14F-4D97-AF65-F5344CB8AC3E}">
-        <p14:creationId xmlns:p14="http://schemas.microsoft.com/office/powerpoint/2010/main" val="2872245004"/>
-      </p:ext>
-    </p:extLst>
   </p:cSld>
   <p:clrMapOvr>
     <a:masterClrMapping/>
@@ -6157,13 +5816,7 @@
       </p:grpSpPr>
       <p:sp>
         <p:nvSpPr>
-          <p:cNvPr id="6" name="Subtitle 5">
-            <a:extLst>
-              <a:ext uri="{FF2B5EF4-FFF2-40B4-BE49-F238E27FC236}">
-                <a16:creationId xmlns:a16="http://schemas.microsoft.com/office/drawing/2014/main" id="{2D4BA697-580E-5544-8F2F-194AD99B859F}"/>
-              </a:ext>
-            </a:extLst>
-          </p:cNvPr>
+          <p:cNvPr id="6" name="Subtitle 5"/>
           <p:cNvSpPr>
             <a:spLocks noGrp="1"/>
           </p:cNvSpPr>
@@ -6191,25 +5844,24 @@
               </a:rPr>
               <a:t>Thank You !</a:t>
             </a:r>
-          </a:p>
-          <a:p>
             <a:endParaRPr lang="en-US" sz="6600" dirty="0">
               <a:solidFill>
                 <a:srgbClr val="FF6600"/>
               </a:solidFill>
             </a:endParaRPr>
           </a:p>
-        </p:txBody>
-      </p:sp>
-      <p:sp>
-        <p:nvSpPr>
-          <p:cNvPr id="3" name="Rectangle 2">
-            <a:extLst>
-              <a:ext uri="{FF2B5EF4-FFF2-40B4-BE49-F238E27FC236}">
-                <a16:creationId xmlns:a16="http://schemas.microsoft.com/office/drawing/2014/main" id="{49C08CB0-2E68-164C-9080-887E2D20B522}"/>
-              </a:ext>
-            </a:extLst>
-          </p:cNvPr>
+          <a:p>
+            <a:endParaRPr lang="en-US" sz="6600" dirty="0">
+              <a:solidFill>
+                <a:srgbClr val="FF6600"/>
+              </a:solidFill>
+            </a:endParaRPr>
+          </a:p>
+        </p:txBody>
+      </p:sp>
+      <p:sp>
+        <p:nvSpPr>
+          <p:cNvPr id="3" name="Rectangle 2"/>
           <p:cNvSpPr/>
           <p:nvPr/>
         </p:nvSpPr>
@@ -6254,20 +5906,14 @@
       </p:sp>
       <p:pic>
         <p:nvPicPr>
-          <p:cNvPr id="7" name="Picture 6">
-            <a:extLst>
-              <a:ext uri="{FF2B5EF4-FFF2-40B4-BE49-F238E27FC236}">
-                <a16:creationId xmlns:a16="http://schemas.microsoft.com/office/drawing/2014/main" id="{B067532E-7508-4245-8E91-38CA363A61A7}"/>
-              </a:ext>
-            </a:extLst>
-          </p:cNvPr>
+          <p:cNvPr id="7" name="Picture 6"/>
           <p:cNvPicPr>
             <a:picLocks noChangeAspect="1"/>
           </p:cNvPicPr>
           <p:nvPr/>
         </p:nvPicPr>
         <p:blipFill>
-          <a:blip r:embed="rId2" cstate="print">
+          <a:blip r:embed="rId1" cstate="print">
             <a:extLst>
               <a:ext uri="{28A0092B-C50C-407E-A947-70E740481C1C}">
                 <a14:useLocalDpi xmlns:a14="http://schemas.microsoft.com/office/drawing/2010/main" val="0"/>
@@ -6289,11 +5935,6 @@
         </p:spPr>
       </p:pic>
     </p:spTree>
-    <p:extLst>
-      <p:ext uri="{BB962C8B-B14F-4D97-AF65-F5344CB8AC3E}">
-        <p14:creationId xmlns:p14="http://schemas.microsoft.com/office/powerpoint/2010/main" val="1067902553"/>
-      </p:ext>
-    </p:extLst>
   </p:cSld>
   <p:clrMapOvr>
     <a:masterClrMapping/>
@@ -6320,13 +5961,7 @@
       </p:grpSpPr>
       <p:sp>
         <p:nvSpPr>
-          <p:cNvPr id="3" name="Content Placeholder 2">
-            <a:extLst>
-              <a:ext uri="{FF2B5EF4-FFF2-40B4-BE49-F238E27FC236}">
-                <a16:creationId xmlns:a16="http://schemas.microsoft.com/office/drawing/2014/main" id="{82C5C5A3-2E84-0849-82EA-36D2326D3784}"/>
-              </a:ext>
-            </a:extLst>
-          </p:cNvPr>
+          <p:cNvPr id="3" name="Content Placeholder 2"/>
           <p:cNvSpPr>
             <a:spLocks noGrp="1"/>
           </p:cNvSpPr>
@@ -6350,6 +5985,7 @@
               <a:rPr lang="en-US" sz="1800" dirty="0"/>
               <a:t>XYZ is a private equity firm in US. Due to remarkable growth in the Cab Industry in last few years and multiple key players in the market, it is planning for an investment in Cab industry. </a:t>
             </a:r>
+            <a:endParaRPr lang="en-US" sz="1800" dirty="0"/>
           </a:p>
           <a:p>
             <a:pPr marL="0" indent="0">
@@ -6362,6 +5998,7 @@
               <a:rPr lang="en-US" sz="1800" dirty="0"/>
               <a:t>Objective : </a:t>
             </a:r>
+            <a:endParaRPr lang="en-US" sz="1800" dirty="0"/>
           </a:p>
           <a:p>
             <a:pPr lvl="1"/>
@@ -6369,6 +6006,7 @@
               <a:rPr lang="en-US" sz="1600" dirty="0"/>
               <a:t>EDA of given data with initial hypotheses;</a:t>
             </a:r>
+            <a:endParaRPr lang="en-US" sz="1600" dirty="0"/>
           </a:p>
           <a:p>
             <a:pPr lvl="1"/>
@@ -6376,6 +6014,7 @@
               <a:rPr lang="en-US" sz="1600" dirty="0"/>
               <a:t>Provide actionable insights to help XYZ firm in identifying the right company for making investment.</a:t>
             </a:r>
+            <a:endParaRPr lang="en-US" sz="1600" dirty="0"/>
           </a:p>
           <a:p>
             <a:endParaRPr lang="en-US" sz="1800" dirty="0"/>
@@ -6388,45 +6027,44 @@
               <a:rPr lang="en-US" sz="1800" dirty="0"/>
               <a:t>The analysis has been divided into four parts: </a:t>
             </a:r>
+            <a:endParaRPr lang="en-US" sz="1800" dirty="0"/>
           </a:p>
           <a:p>
             <a:r>
               <a:rPr lang="en-US" sz="1800" dirty="0"/>
               <a:t>Data Pre-process and Understanding </a:t>
             </a:r>
+            <a:endParaRPr lang="en-US" sz="1800" dirty="0"/>
           </a:p>
           <a:p>
             <a:r>
               <a:rPr lang="en-US" sz="1800" dirty="0"/>
               <a:t>Hypothesis</a:t>
             </a:r>
+            <a:endParaRPr lang="en-US" sz="1800" dirty="0"/>
           </a:p>
           <a:p>
             <a:r>
               <a:rPr lang="en-US" sz="1800" dirty="0"/>
               <a:t>Data Analysis and Visualization</a:t>
             </a:r>
+            <a:endParaRPr lang="en-US" sz="1800" dirty="0"/>
           </a:p>
           <a:p>
             <a:r>
               <a:rPr lang="en-US" sz="1800" dirty="0"/>
               <a:t>Results Related to the Hypothesis</a:t>
             </a:r>
-          </a:p>
-          <a:p>
             <a:endParaRPr lang="en-US" sz="1800" dirty="0"/>
           </a:p>
-        </p:txBody>
-      </p:sp>
-      <p:sp>
-        <p:nvSpPr>
-          <p:cNvPr id="4" name="Rectangle 3">
-            <a:extLst>
-              <a:ext uri="{FF2B5EF4-FFF2-40B4-BE49-F238E27FC236}">
-                <a16:creationId xmlns:a16="http://schemas.microsoft.com/office/drawing/2014/main" id="{DD7B960C-F6E1-AE45-98A6-122DB2A97B5B}"/>
-              </a:ext>
-            </a:extLst>
-          </p:cNvPr>
+          <a:p>
+            <a:endParaRPr lang="en-US" sz="1800" dirty="0"/>
+          </a:p>
+        </p:txBody>
+      </p:sp>
+      <p:sp>
+        <p:nvSpPr>
+          <p:cNvPr id="4" name="Rectangle 3"/>
           <p:cNvSpPr/>
           <p:nvPr/>
         </p:nvSpPr>
@@ -6471,13 +6109,7 @@
       </p:sp>
       <p:sp>
         <p:nvSpPr>
-          <p:cNvPr id="6" name="Title 1">
-            <a:extLst>
-              <a:ext uri="{FF2B5EF4-FFF2-40B4-BE49-F238E27FC236}">
-                <a16:creationId xmlns:a16="http://schemas.microsoft.com/office/drawing/2014/main" id="{C526CBCB-8ADA-0E48-96D7-11EEE40222DD}"/>
-              </a:ext>
-            </a:extLst>
-          </p:cNvPr>
+          <p:cNvPr id="6" name="Title 1"/>
           <p:cNvSpPr>
             <a:spLocks noGrp="1"/>
           </p:cNvSpPr>
@@ -6507,15 +6139,17 @@
               </a:rPr>
               <a:t>Problem Statement</a:t>
             </a:r>
+            <a:endParaRPr lang="en-US" sz="3500" b="1" dirty="0">
+              <a:solidFill>
+                <a:schemeClr val="accent2"/>
+              </a:solidFill>
+              <a:latin typeface="Calibri" panose="020F0502020204030204" pitchFamily="34" charset="0"/>
+              <a:cs typeface="Calibri" panose="020F0502020204030204" pitchFamily="34" charset="0"/>
+            </a:endParaRPr>
           </a:p>
         </p:txBody>
       </p:sp>
     </p:spTree>
-    <p:extLst>
-      <p:ext uri="{BB962C8B-B14F-4D97-AF65-F5344CB8AC3E}">
-        <p14:creationId xmlns:p14="http://schemas.microsoft.com/office/powerpoint/2010/main" val="3504532453"/>
-      </p:ext>
-    </p:extLst>
   </p:cSld>
   <p:clrMapOvr>
     <a:masterClrMapping/>
@@ -6542,13 +6176,7 @@
       </p:grpSpPr>
       <p:sp>
         <p:nvSpPr>
-          <p:cNvPr id="3" name="Content Placeholder 2">
-            <a:extLst>
-              <a:ext uri="{FF2B5EF4-FFF2-40B4-BE49-F238E27FC236}">
-                <a16:creationId xmlns:a16="http://schemas.microsoft.com/office/drawing/2014/main" id="{82C5C5A3-2E84-0849-82EA-36D2326D3784}"/>
-              </a:ext>
-            </a:extLst>
-          </p:cNvPr>
+          <p:cNvPr id="3" name="Content Placeholder 2"/>
           <p:cNvSpPr>
             <a:spLocks noGrp="1"/>
           </p:cNvSpPr>
@@ -6580,6 +6208,7 @@
               <a:rPr lang="en-US" sz="1800" dirty="0"/>
               <a:t> Notebook, Excel</a:t>
             </a:r>
+            <a:endParaRPr lang="en-US" sz="1800" dirty="0"/>
           </a:p>
           <a:p>
             <a:endParaRPr lang="en-US" sz="1800" dirty="0"/>
@@ -6597,6 +6226,7 @@
               <a:rPr lang="en-US" sz="1800" dirty="0"/>
               <a:t>, Pandas, Matplotlib, datetime, locale</a:t>
             </a:r>
+            <a:endParaRPr lang="en-US" sz="1800" dirty="0"/>
           </a:p>
           <a:p>
             <a:endParaRPr lang="en-US" sz="1800" dirty="0"/>
@@ -6630,18 +6260,13 @@
               <a:rPr lang="en-US" sz="1800" dirty="0"/>
               <a:t>, etc.</a:t>
             </a:r>
-          </a:p>
-        </p:txBody>
-      </p:sp>
-      <p:sp>
-        <p:nvSpPr>
-          <p:cNvPr id="4" name="Rectangle 3">
-            <a:extLst>
-              <a:ext uri="{FF2B5EF4-FFF2-40B4-BE49-F238E27FC236}">
-                <a16:creationId xmlns:a16="http://schemas.microsoft.com/office/drawing/2014/main" id="{DD7B960C-F6E1-AE45-98A6-122DB2A97B5B}"/>
-              </a:ext>
-            </a:extLst>
-          </p:cNvPr>
+            <a:endParaRPr lang="en-US" sz="1800" dirty="0"/>
+          </a:p>
+        </p:txBody>
+      </p:sp>
+      <p:sp>
+        <p:nvSpPr>
+          <p:cNvPr id="4" name="Rectangle 3"/>
           <p:cNvSpPr/>
           <p:nvPr/>
         </p:nvSpPr>
@@ -6686,13 +6311,7 @@
       </p:sp>
       <p:sp>
         <p:nvSpPr>
-          <p:cNvPr id="6" name="Title 1">
-            <a:extLst>
-              <a:ext uri="{FF2B5EF4-FFF2-40B4-BE49-F238E27FC236}">
-                <a16:creationId xmlns:a16="http://schemas.microsoft.com/office/drawing/2014/main" id="{C526CBCB-8ADA-0E48-96D7-11EEE40222DD}"/>
-              </a:ext>
-            </a:extLst>
-          </p:cNvPr>
+          <p:cNvPr id="6" name="Title 1"/>
           <p:cNvSpPr>
             <a:spLocks noGrp="1"/>
           </p:cNvSpPr>
@@ -6722,15 +6341,17 @@
               </a:rPr>
               <a:t>Approach</a:t>
             </a:r>
+            <a:endParaRPr lang="en-US" sz="3500" b="1" dirty="0">
+              <a:solidFill>
+                <a:schemeClr val="accent2"/>
+              </a:solidFill>
+              <a:latin typeface="Calibri" panose="020F0502020204030204" pitchFamily="34" charset="0"/>
+              <a:cs typeface="Calibri" panose="020F0502020204030204" pitchFamily="34" charset="0"/>
+            </a:endParaRPr>
           </a:p>
         </p:txBody>
       </p:sp>
     </p:spTree>
-    <p:extLst>
-      <p:ext uri="{BB962C8B-B14F-4D97-AF65-F5344CB8AC3E}">
-        <p14:creationId xmlns:p14="http://schemas.microsoft.com/office/powerpoint/2010/main" val="2431676373"/>
-      </p:ext>
-    </p:extLst>
   </p:cSld>
   <p:clrMapOvr>
     <a:masterClrMapping/>
@@ -6757,13 +6378,7 @@
       </p:grpSpPr>
       <p:sp>
         <p:nvSpPr>
-          <p:cNvPr id="3" name="Content Placeholder 2">
-            <a:extLst>
-              <a:ext uri="{FF2B5EF4-FFF2-40B4-BE49-F238E27FC236}">
-                <a16:creationId xmlns:a16="http://schemas.microsoft.com/office/drawing/2014/main" id="{82C5C5A3-2E84-0849-82EA-36D2326D3784}"/>
-              </a:ext>
-            </a:extLst>
-          </p:cNvPr>
+          <p:cNvPr id="3" name="Content Placeholder 2"/>
           <p:cNvSpPr>
             <a:spLocks noGrp="1"/>
           </p:cNvSpPr>
@@ -6792,6 +6407,7 @@
               <a:rPr lang="en-US" sz="1800" dirty="0"/>
               <a:t>Import data sets: </a:t>
             </a:r>
+            <a:endParaRPr lang="en-US" sz="1800" dirty="0"/>
           </a:p>
           <a:p>
             <a:pPr lvl="1">
@@ -6803,6 +6419,7 @@
               <a:rPr lang="en-US" sz="1600" dirty="0"/>
               <a:t>Given data sets: Cab_data.csv, City.csv, Customer_ID.csv, Transaction_ID.csv</a:t>
             </a:r>
+            <a:endParaRPr lang="en-US" sz="1600" dirty="0"/>
           </a:p>
           <a:p>
             <a:pPr lvl="1">
@@ -6826,6 +6443,7 @@
               <a:rPr lang="en-US" sz="1800" dirty="0"/>
               <a:t>Adjust data types:</a:t>
             </a:r>
+            <a:endParaRPr lang="en-US" sz="1800" dirty="0"/>
           </a:p>
           <a:p>
             <a:pPr lvl="1">
@@ -6837,6 +6455,7 @@
               <a:rPr lang="en-US" sz="1600" dirty="0"/>
               <a:t>Date of Travel: int -&gt; datetime</a:t>
             </a:r>
+            <a:endParaRPr lang="en-US" sz="1600" dirty="0"/>
           </a:p>
           <a:p>
             <a:pPr lvl="1">
@@ -6868,6 +6487,7 @@
               <a:rPr lang="en-US" sz="1800" dirty="0"/>
               <a:t>:</a:t>
             </a:r>
+            <a:endParaRPr lang="en-US" sz="1800" dirty="0"/>
           </a:p>
           <a:p>
             <a:pPr lvl="1">
@@ -6887,6 +6507,7 @@
               <a:rPr lang="en-US" sz="1600" dirty="0"/>
               <a:t> -&gt; df1</a:t>
             </a:r>
+            <a:endParaRPr lang="en-US" sz="1600" dirty="0"/>
           </a:p>
           <a:p>
             <a:pPr lvl="1">
@@ -6898,6 +6519,7 @@
               <a:rPr lang="en-US" sz="1600" dirty="0"/>
               <a:t>City.csv + part of df1 data grouped by City -&gt; df2</a:t>
             </a:r>
+            <a:endParaRPr lang="en-US" sz="1600" dirty="0"/>
           </a:p>
           <a:p>
             <a:pPr>
@@ -6909,6 +6531,7 @@
               <a:rPr lang="en-US" sz="1800" dirty="0"/>
               <a:t>Add new columns:</a:t>
             </a:r>
+            <a:endParaRPr lang="en-US" sz="1800" dirty="0"/>
           </a:p>
           <a:p>
             <a:pPr lvl="1">
@@ -6920,6 +6543,7 @@
               <a:rPr lang="en-US" sz="1600" dirty="0"/>
               <a:t>For example: Revenue = Price Charged – Cost of Trip</a:t>
             </a:r>
+            <a:endParaRPr lang="en-US" sz="1600" dirty="0"/>
           </a:p>
           <a:p>
             <a:pPr>
@@ -6939,6 +6563,7 @@
               <a:rPr lang="en-US" sz="1800" dirty="0"/>
               <a:t> Values</a:t>
             </a:r>
+            <a:endParaRPr lang="en-US" sz="1800" dirty="0"/>
           </a:p>
           <a:p>
             <a:pPr>
@@ -6952,13 +6577,7 @@
       </p:sp>
       <p:sp>
         <p:nvSpPr>
-          <p:cNvPr id="4" name="Rectangle 3">
-            <a:extLst>
-              <a:ext uri="{FF2B5EF4-FFF2-40B4-BE49-F238E27FC236}">
-                <a16:creationId xmlns:a16="http://schemas.microsoft.com/office/drawing/2014/main" id="{DD7B960C-F6E1-AE45-98A6-122DB2A97B5B}"/>
-              </a:ext>
-            </a:extLst>
-          </p:cNvPr>
+          <p:cNvPr id="4" name="Rectangle 3"/>
           <p:cNvSpPr/>
           <p:nvPr/>
         </p:nvSpPr>
@@ -7003,13 +6622,7 @@
       </p:sp>
       <p:sp>
         <p:nvSpPr>
-          <p:cNvPr id="6" name="Title 1">
-            <a:extLst>
-              <a:ext uri="{FF2B5EF4-FFF2-40B4-BE49-F238E27FC236}">
-                <a16:creationId xmlns:a16="http://schemas.microsoft.com/office/drawing/2014/main" id="{C526CBCB-8ADA-0E48-96D7-11EEE40222DD}"/>
-              </a:ext>
-            </a:extLst>
-          </p:cNvPr>
+          <p:cNvPr id="6" name="Title 1"/>
           <p:cNvSpPr>
             <a:spLocks noGrp="1"/>
           </p:cNvSpPr>
@@ -7039,15 +6652,17 @@
               </a:rPr>
               <a:t>EDA: Pre-processing and Understanding Data</a:t>
             </a:r>
+            <a:endParaRPr lang="en-US" sz="3500" b="1" dirty="0">
+              <a:solidFill>
+                <a:schemeClr val="accent2"/>
+              </a:solidFill>
+              <a:latin typeface="Calibri" panose="020F0502020204030204" pitchFamily="34" charset="0"/>
+              <a:cs typeface="Calibri" panose="020F0502020204030204" pitchFamily="34" charset="0"/>
+            </a:endParaRPr>
           </a:p>
         </p:txBody>
       </p:sp>
     </p:spTree>
-    <p:extLst>
-      <p:ext uri="{BB962C8B-B14F-4D97-AF65-F5344CB8AC3E}">
-        <p14:creationId xmlns:p14="http://schemas.microsoft.com/office/powerpoint/2010/main" val="3733953166"/>
-      </p:ext>
-    </p:extLst>
   </p:cSld>
   <p:clrMapOvr>
     <a:masterClrMapping/>
@@ -7074,13 +6689,7 @@
       </p:grpSpPr>
       <p:sp>
         <p:nvSpPr>
-          <p:cNvPr id="3" name="Content Placeholder 2">
-            <a:extLst>
-              <a:ext uri="{FF2B5EF4-FFF2-40B4-BE49-F238E27FC236}">
-                <a16:creationId xmlns:a16="http://schemas.microsoft.com/office/drawing/2014/main" id="{82C5C5A3-2E84-0849-82EA-36D2326D3784}"/>
-              </a:ext>
-            </a:extLst>
-          </p:cNvPr>
+          <p:cNvPr id="3" name="Content Placeholder 2"/>
           <p:cNvSpPr>
             <a:spLocks noGrp="1"/>
           </p:cNvSpPr>
@@ -7107,6 +6716,7 @@
               <a:rPr lang="en-US" sz="1800" dirty="0"/>
               <a:t>Summary of df1:</a:t>
             </a:r>
+            <a:endParaRPr lang="en-US" sz="1800" dirty="0"/>
           </a:p>
           <a:p>
             <a:pPr marL="0" indent="0">
@@ -7118,13 +6728,7 @@
       </p:sp>
       <p:sp>
         <p:nvSpPr>
-          <p:cNvPr id="4" name="Rectangle 3">
-            <a:extLst>
-              <a:ext uri="{FF2B5EF4-FFF2-40B4-BE49-F238E27FC236}">
-                <a16:creationId xmlns:a16="http://schemas.microsoft.com/office/drawing/2014/main" id="{DD7B960C-F6E1-AE45-98A6-122DB2A97B5B}"/>
-              </a:ext>
-            </a:extLst>
-          </p:cNvPr>
+          <p:cNvPr id="4" name="Rectangle 3"/>
           <p:cNvSpPr/>
           <p:nvPr/>
         </p:nvSpPr>
@@ -7169,13 +6773,7 @@
       </p:sp>
       <p:sp>
         <p:nvSpPr>
-          <p:cNvPr id="6" name="Title 1">
-            <a:extLst>
-              <a:ext uri="{FF2B5EF4-FFF2-40B4-BE49-F238E27FC236}">
-                <a16:creationId xmlns:a16="http://schemas.microsoft.com/office/drawing/2014/main" id="{C526CBCB-8ADA-0E48-96D7-11EEE40222DD}"/>
-              </a:ext>
-            </a:extLst>
-          </p:cNvPr>
+          <p:cNvPr id="6" name="Title 1"/>
           <p:cNvSpPr>
             <a:spLocks noGrp="1"/>
           </p:cNvSpPr>
@@ -7205,25 +6803,26 @@
               </a:rPr>
               <a:t>EDA: Pre-processing and Understanding Data</a:t>
             </a:r>
+            <a:endParaRPr lang="en-US" sz="3500" b="1" dirty="0">
+              <a:solidFill>
+                <a:schemeClr val="accent2"/>
+              </a:solidFill>
+              <a:latin typeface="Calibri" panose="020F0502020204030204" pitchFamily="34" charset="0"/>
+              <a:cs typeface="Calibri" panose="020F0502020204030204" pitchFamily="34" charset="0"/>
+            </a:endParaRPr>
           </a:p>
         </p:txBody>
       </p:sp>
       <p:pic>
         <p:nvPicPr>
-          <p:cNvPr id="5" name="Picture 4">
-            <a:extLst>
-              <a:ext uri="{FF2B5EF4-FFF2-40B4-BE49-F238E27FC236}">
-                <a16:creationId xmlns:a16="http://schemas.microsoft.com/office/drawing/2014/main" id="{56B70E63-95D7-C118-2EC3-C56EBB5A8FE2}"/>
-              </a:ext>
-            </a:extLst>
-          </p:cNvPr>
+          <p:cNvPr id="5" name="Picture 4"/>
           <p:cNvPicPr>
             <a:picLocks noChangeAspect="1"/>
           </p:cNvPicPr>
           <p:nvPr/>
         </p:nvPicPr>
         <p:blipFill>
-          <a:blip r:embed="rId2"/>
+          <a:blip r:embed="rId1"/>
           <a:stretch>
             <a:fillRect/>
           </a:stretch>
@@ -7239,11 +6838,6 @@
         </p:spPr>
       </p:pic>
     </p:spTree>
-    <p:extLst>
-      <p:ext uri="{BB962C8B-B14F-4D97-AF65-F5344CB8AC3E}">
-        <p14:creationId xmlns:p14="http://schemas.microsoft.com/office/powerpoint/2010/main" val="101609666"/>
-      </p:ext>
-    </p:extLst>
   </p:cSld>
   <p:clrMapOvr>
     <a:masterClrMapping/>
@@ -7270,13 +6864,7 @@
       </p:grpSpPr>
       <p:sp>
         <p:nvSpPr>
-          <p:cNvPr id="3" name="Content Placeholder 2">
-            <a:extLst>
-              <a:ext uri="{FF2B5EF4-FFF2-40B4-BE49-F238E27FC236}">
-                <a16:creationId xmlns:a16="http://schemas.microsoft.com/office/drawing/2014/main" id="{82C5C5A3-2E84-0849-82EA-36D2326D3784}"/>
-              </a:ext>
-            </a:extLst>
-          </p:cNvPr>
+          <p:cNvPr id="3" name="Content Placeholder 2"/>
           <p:cNvSpPr>
             <a:spLocks noGrp="1"/>
           </p:cNvSpPr>
@@ -7303,6 +6891,7 @@
               <a:rPr lang="en-US" sz="1800" dirty="0"/>
               <a:t>Summary of df1:</a:t>
             </a:r>
+            <a:endParaRPr lang="en-US" sz="1800" dirty="0"/>
           </a:p>
           <a:p>
             <a:pPr marL="0" indent="0">
@@ -7314,13 +6903,7 @@
       </p:sp>
       <p:sp>
         <p:nvSpPr>
-          <p:cNvPr id="4" name="Rectangle 3">
-            <a:extLst>
-              <a:ext uri="{FF2B5EF4-FFF2-40B4-BE49-F238E27FC236}">
-                <a16:creationId xmlns:a16="http://schemas.microsoft.com/office/drawing/2014/main" id="{DD7B960C-F6E1-AE45-98A6-122DB2A97B5B}"/>
-              </a:ext>
-            </a:extLst>
-          </p:cNvPr>
+          <p:cNvPr id="4" name="Rectangle 3"/>
           <p:cNvSpPr/>
           <p:nvPr/>
         </p:nvSpPr>
@@ -7365,13 +6948,7 @@
       </p:sp>
       <p:sp>
         <p:nvSpPr>
-          <p:cNvPr id="6" name="Title 1">
-            <a:extLst>
-              <a:ext uri="{FF2B5EF4-FFF2-40B4-BE49-F238E27FC236}">
-                <a16:creationId xmlns:a16="http://schemas.microsoft.com/office/drawing/2014/main" id="{C526CBCB-8ADA-0E48-96D7-11EEE40222DD}"/>
-              </a:ext>
-            </a:extLst>
-          </p:cNvPr>
+          <p:cNvPr id="6" name="Title 1"/>
           <p:cNvSpPr>
             <a:spLocks noGrp="1"/>
           </p:cNvSpPr>
@@ -7401,25 +6978,26 @@
               </a:rPr>
               <a:t>EDA: Pre-processing and Understanding Data</a:t>
             </a:r>
+            <a:endParaRPr lang="en-US" sz="3500" b="1" dirty="0">
+              <a:solidFill>
+                <a:schemeClr val="accent2"/>
+              </a:solidFill>
+              <a:latin typeface="Calibri" panose="020F0502020204030204" pitchFamily="34" charset="0"/>
+              <a:cs typeface="Calibri" panose="020F0502020204030204" pitchFamily="34" charset="0"/>
+            </a:endParaRPr>
           </a:p>
         </p:txBody>
       </p:sp>
       <p:pic>
         <p:nvPicPr>
-          <p:cNvPr id="8" name="Picture 7">
-            <a:extLst>
-              <a:ext uri="{FF2B5EF4-FFF2-40B4-BE49-F238E27FC236}">
-                <a16:creationId xmlns:a16="http://schemas.microsoft.com/office/drawing/2014/main" id="{1109C297-8DAE-7046-DC5A-19F6325AF46C}"/>
-              </a:ext>
-            </a:extLst>
-          </p:cNvPr>
+          <p:cNvPr id="8" name="Picture 7"/>
           <p:cNvPicPr>
             <a:picLocks noChangeAspect="1"/>
           </p:cNvPicPr>
           <p:nvPr/>
         </p:nvPicPr>
         <p:blipFill>
-          <a:blip r:embed="rId2"/>
+          <a:blip r:embed="rId1"/>
           <a:stretch>
             <a:fillRect/>
           </a:stretch>
@@ -7435,11 +7013,6 @@
         </p:spPr>
       </p:pic>
     </p:spTree>
-    <p:extLst>
-      <p:ext uri="{BB962C8B-B14F-4D97-AF65-F5344CB8AC3E}">
-        <p14:creationId xmlns:p14="http://schemas.microsoft.com/office/powerpoint/2010/main" val="1844599034"/>
-      </p:ext>
-    </p:extLst>
   </p:cSld>
   <p:clrMapOvr>
     <a:masterClrMapping/>
@@ -7466,13 +7039,7 @@
       </p:grpSpPr>
       <p:sp>
         <p:nvSpPr>
-          <p:cNvPr id="3" name="Content Placeholder 2">
-            <a:extLst>
-              <a:ext uri="{FF2B5EF4-FFF2-40B4-BE49-F238E27FC236}">
-                <a16:creationId xmlns:a16="http://schemas.microsoft.com/office/drawing/2014/main" id="{82C5C5A3-2E84-0849-82EA-36D2326D3784}"/>
-              </a:ext>
-            </a:extLst>
-          </p:cNvPr>
+          <p:cNvPr id="3" name="Content Placeholder 2"/>
           <p:cNvSpPr>
             <a:spLocks noGrp="1"/>
           </p:cNvSpPr>
@@ -7499,6 +7066,7 @@
               <a:rPr lang="en-US" sz="2000" dirty="0"/>
               <a:t>In this analysis, there are 5 initial hypotheses related to cab companies and customers:</a:t>
             </a:r>
+            <a:endParaRPr lang="en-US" sz="2000" dirty="0"/>
           </a:p>
           <a:p>
             <a:endParaRPr lang="en-US" sz="1800" dirty="0"/>
@@ -7513,6 +7081,7 @@
               <a:rPr lang="en-US" sz="1800" dirty="0"/>
               <a:t>Hypothesis 1: Customer's age is related to the number of customers and average times of taking taxi.</a:t>
             </a:r>
+            <a:endParaRPr lang="en-US" sz="1800" dirty="0"/>
           </a:p>
           <a:p>
             <a:pPr lvl="1">
@@ -7524,6 +7093,7 @@
               <a:rPr lang="en-US" altLang="zh-CN" sz="1800" dirty="0"/>
               <a:t>Hypothesis 2: The more popular cab company is also more efficient in making revenues.</a:t>
             </a:r>
+            <a:endParaRPr lang="en-US" altLang="zh-CN" sz="1800" dirty="0"/>
           </a:p>
           <a:p>
             <a:pPr lvl="1">
@@ -7535,6 +7105,7 @@
               <a:rPr lang="en-US" altLang="zh-CN" sz="1800" dirty="0"/>
               <a:t>Hypothesis 3: The yearly and monthly patterns of the change of price per KM in the two companies are similar.</a:t>
             </a:r>
+            <a:endParaRPr lang="en-US" altLang="zh-CN" sz="1800" dirty="0"/>
           </a:p>
           <a:p>
             <a:pPr lvl="1">
@@ -7546,6 +7117,7 @@
               <a:rPr lang="en-US" altLang="zh-CN" sz="1800" dirty="0"/>
               <a:t>Hypothesis 4: In holidays customers tend to travel further than in normal days.</a:t>
             </a:r>
+            <a:endParaRPr lang="en-US" altLang="zh-CN" sz="1800" dirty="0"/>
           </a:p>
           <a:p>
             <a:pPr lvl="1">
@@ -7557,6 +7129,7 @@
               <a:rPr lang="en-US" altLang="zh-CN" sz="1800" dirty="0"/>
               <a:t>Hypothesis 5: The price of taxi in each city is related to number of users and customers' income.</a:t>
             </a:r>
+            <a:endParaRPr lang="en-US" altLang="zh-CN" sz="1800" dirty="0"/>
           </a:p>
           <a:p>
             <a:endParaRPr lang="en-US" sz="1800" dirty="0"/>
@@ -7568,13 +7141,7 @@
       </p:sp>
       <p:sp>
         <p:nvSpPr>
-          <p:cNvPr id="4" name="Rectangle 3">
-            <a:extLst>
-              <a:ext uri="{FF2B5EF4-FFF2-40B4-BE49-F238E27FC236}">
-                <a16:creationId xmlns:a16="http://schemas.microsoft.com/office/drawing/2014/main" id="{DD7B960C-F6E1-AE45-98A6-122DB2A97B5B}"/>
-              </a:ext>
-            </a:extLst>
-          </p:cNvPr>
+          <p:cNvPr id="4" name="Rectangle 3"/>
           <p:cNvSpPr/>
           <p:nvPr/>
         </p:nvSpPr>
@@ -7619,13 +7186,7 @@
       </p:sp>
       <p:sp>
         <p:nvSpPr>
-          <p:cNvPr id="6" name="Title 1">
-            <a:extLst>
-              <a:ext uri="{FF2B5EF4-FFF2-40B4-BE49-F238E27FC236}">
-                <a16:creationId xmlns:a16="http://schemas.microsoft.com/office/drawing/2014/main" id="{C526CBCB-8ADA-0E48-96D7-11EEE40222DD}"/>
-              </a:ext>
-            </a:extLst>
-          </p:cNvPr>
+          <p:cNvPr id="6" name="Title 1"/>
           <p:cNvSpPr>
             <a:spLocks noGrp="1"/>
           </p:cNvSpPr>
@@ -7655,15 +7216,17 @@
               </a:rPr>
               <a:t>EDA: Hypotheses</a:t>
             </a:r>
+            <a:endParaRPr lang="en-US" sz="3500" b="1" dirty="0">
+              <a:solidFill>
+                <a:schemeClr val="accent2"/>
+              </a:solidFill>
+              <a:latin typeface="Calibri" panose="020F0502020204030204" pitchFamily="34" charset="0"/>
+              <a:cs typeface="Calibri" panose="020F0502020204030204" pitchFamily="34" charset="0"/>
+            </a:endParaRPr>
           </a:p>
         </p:txBody>
       </p:sp>
     </p:spTree>
-    <p:extLst>
-      <p:ext uri="{BB962C8B-B14F-4D97-AF65-F5344CB8AC3E}">
-        <p14:creationId xmlns:p14="http://schemas.microsoft.com/office/powerpoint/2010/main" val="3001476582"/>
-      </p:ext>
-    </p:extLst>
   </p:cSld>
   <p:clrMapOvr>
     <a:masterClrMapping/>
@@ -7690,13 +7253,7 @@
       </p:grpSpPr>
       <p:pic>
         <p:nvPicPr>
-          <p:cNvPr id="5" name="Content Placeholder 4">
-            <a:extLst>
-              <a:ext uri="{FF2B5EF4-FFF2-40B4-BE49-F238E27FC236}">
-                <a16:creationId xmlns:a16="http://schemas.microsoft.com/office/drawing/2014/main" id="{2390688F-5ADC-B1E0-B62B-BDD2CA190348}"/>
-              </a:ext>
-            </a:extLst>
-          </p:cNvPr>
+          <p:cNvPr id="5" name="Content Placeholder 4"/>
           <p:cNvPicPr>
             <a:picLocks noGrp="1" noChangeAspect="1"/>
           </p:cNvPicPr>
@@ -7705,7 +7262,7 @@
           </p:nvPr>
         </p:nvPicPr>
         <p:blipFill>
-          <a:blip r:embed="rId2"/>
+          <a:blip r:embed="rId1"/>
           <a:stretch>
             <a:fillRect/>
           </a:stretch>
@@ -7719,13 +7276,7 @@
       </p:pic>
       <p:sp>
         <p:nvSpPr>
-          <p:cNvPr id="4" name="Rectangle 3">
-            <a:extLst>
-              <a:ext uri="{FF2B5EF4-FFF2-40B4-BE49-F238E27FC236}">
-                <a16:creationId xmlns:a16="http://schemas.microsoft.com/office/drawing/2014/main" id="{DD7B960C-F6E1-AE45-98A6-122DB2A97B5B}"/>
-              </a:ext>
-            </a:extLst>
-          </p:cNvPr>
+          <p:cNvPr id="4" name="Rectangle 3"/>
           <p:cNvSpPr/>
           <p:nvPr/>
         </p:nvSpPr>
@@ -7770,13 +7321,7 @@
       </p:sp>
       <p:sp>
         <p:nvSpPr>
-          <p:cNvPr id="6" name="Title 1">
-            <a:extLst>
-              <a:ext uri="{FF2B5EF4-FFF2-40B4-BE49-F238E27FC236}">
-                <a16:creationId xmlns:a16="http://schemas.microsoft.com/office/drawing/2014/main" id="{C526CBCB-8ADA-0E48-96D7-11EEE40222DD}"/>
-              </a:ext>
-            </a:extLst>
-          </p:cNvPr>
+          <p:cNvPr id="6" name="Title 1"/>
           <p:cNvSpPr>
             <a:spLocks noGrp="1"/>
           </p:cNvSpPr>
@@ -7858,13 +7403,7 @@
       </p:sp>
       <p:sp>
         <p:nvSpPr>
-          <p:cNvPr id="7" name="TextBox 6">
-            <a:extLst>
-              <a:ext uri="{FF2B5EF4-FFF2-40B4-BE49-F238E27FC236}">
-                <a16:creationId xmlns:a16="http://schemas.microsoft.com/office/drawing/2014/main" id="{58F9C5AB-AEB5-A10B-3DDF-BCDF6EEB7491}"/>
-              </a:ext>
-            </a:extLst>
-          </p:cNvPr>
+          <p:cNvPr id="7" name="TextBox 6"/>
           <p:cNvSpPr txBox="1"/>
           <p:nvPr/>
         </p:nvSpPr>
@@ -7892,6 +7431,7 @@
               <a:rPr lang="en-US" altLang="zh-CN" dirty="0"/>
               <a:t>Slight difference for men in 54-60 years old interval, but generally there are more customers in younger groups.</a:t>
             </a:r>
+            <a:endParaRPr lang="en-US" altLang="zh-CN" dirty="0"/>
           </a:p>
           <a:p>
             <a:pPr marL="285750" indent="-285750">
@@ -7909,6 +7449,7 @@
               <a:rPr lang="en-US" altLang="zh-CN" dirty="0"/>
               <a:t>The difference is obvious between groups less than 42 years old and groups more than 42 years old. </a:t>
             </a:r>
+            <a:endParaRPr lang="en-US" altLang="zh-CN" dirty="0"/>
           </a:p>
           <a:p>
             <a:pPr marL="285750" indent="-285750">
@@ -7931,11 +7472,6 @@
         </p:txBody>
       </p:sp>
     </p:spTree>
-    <p:extLst>
-      <p:ext uri="{BB962C8B-B14F-4D97-AF65-F5344CB8AC3E}">
-        <p14:creationId xmlns:p14="http://schemas.microsoft.com/office/powerpoint/2010/main" val="611209213"/>
-      </p:ext>
-    </p:extLst>
   </p:cSld>
   <p:clrMapOvr>
     <a:masterClrMapping/>
@@ -7986,7 +7522,7 @@
     </a:clrScheme>
     <a:fontScheme name="Office Theme">
       <a:majorFont>
-        <a:latin typeface="Calibri Light" panose="020F0302020204030204"/>
+        <a:latin typeface="Calibri Light"/>
         <a:ea typeface=""/>
         <a:cs typeface=""/>
         <a:font script="Jpan" typeface="游ゴシック Light"/>
@@ -8021,7 +7557,7 @@
         <a:font script="Geor" typeface="Sylfaen"/>
       </a:majorFont>
       <a:minorFont>
-        <a:latin typeface="Calibri" panose="020F0502020204030204"/>
+        <a:latin typeface="Calibri"/>
         <a:ea typeface=""/>
         <a:cs typeface=""/>
         <a:font script="Jpan" typeface="游ゴシック"/>
@@ -8194,11 +7730,9 @@
       </a:bgFillStyleLst>
     </a:fmtScheme>
   </a:themeElements>
-  <a:objectDefaults/>
-  <a:extraClrSchemeLst/>
   <a:extLst>
     <a:ext uri="{05A4C25C-085E-4340-85A3-A5531E510DB2}">
-      <thm15:themeFamily xmlns:thm15="http://schemas.microsoft.com/office/thememl/2012/main" name="Data Glacier Internship" id="{2B17C0A9-4F1A-394C-9305-82F12CA26E4F}" vid="{F9955FDF-826E-7C4D-B52C-017E9540C8B9}"/>
+      <thm15:themeFamily xmlns:thm15="http://schemas.microsoft.com/office/thememl/2012/main" name="Office Theme" id="{62F939B6-93AF-4DB8-9C6B-D6C7DFDC589F}" vid="{4A3C46E8-61CC-4603-A589-7422A47A8E4A}"/>
     </a:ext>
   </a:extLst>
 </a:theme>
